--- a/programming2/CH10.pptx
+++ b/programming2/CH10.pptx
@@ -6,10 +6,10 @@
     <p:sldMasterId id="2147483660" r:id="rId2"/>
   </p:sldMasterIdLst>
   <p:notesMasterIdLst>
-    <p:notesMasterId r:id="rId46"/>
+    <p:notesMasterId r:id="rId48"/>
   </p:notesMasterIdLst>
   <p:handoutMasterIdLst>
-    <p:handoutMasterId r:id="rId47"/>
+    <p:handoutMasterId r:id="rId49"/>
   </p:handoutMasterIdLst>
   <p:sldIdLst>
     <p:sldId id="316" r:id="rId3"/>
@@ -45,16 +45,18 @@
     <p:sldId id="285" r:id="rId33"/>
     <p:sldId id="287" r:id="rId34"/>
     <p:sldId id="286" r:id="rId35"/>
-    <p:sldId id="270" r:id="rId36"/>
-    <p:sldId id="271" r:id="rId37"/>
-    <p:sldId id="272" r:id="rId38"/>
-    <p:sldId id="273" r:id="rId39"/>
-    <p:sldId id="274" r:id="rId40"/>
-    <p:sldId id="275" r:id="rId41"/>
-    <p:sldId id="288" r:id="rId42"/>
-    <p:sldId id="289" r:id="rId43"/>
-    <p:sldId id="276" r:id="rId44"/>
-    <p:sldId id="315" r:id="rId45"/>
+    <p:sldId id="365" r:id="rId36"/>
+    <p:sldId id="366" r:id="rId37"/>
+    <p:sldId id="270" r:id="rId38"/>
+    <p:sldId id="271" r:id="rId39"/>
+    <p:sldId id="272" r:id="rId40"/>
+    <p:sldId id="273" r:id="rId41"/>
+    <p:sldId id="274" r:id="rId42"/>
+    <p:sldId id="275" r:id="rId43"/>
+    <p:sldId id="288" r:id="rId44"/>
+    <p:sldId id="289" r:id="rId45"/>
+    <p:sldId id="276" r:id="rId46"/>
+    <p:sldId id="367" r:id="rId47"/>
   </p:sldIdLst>
   <p:sldSz cx="9144000" cy="6858000" type="screen4x3"/>
   <p:notesSz cx="6858000" cy="9144000"/>
@@ -255,7 +257,7 @@
             <a:fld id="{58E756DE-B1BE-425A-B3C4-895E06756A00}" type="datetimeFigureOut">
               <a:rPr lang="en-US" smtClean="0"/>
               <a:pPr/>
-              <a:t>12/17/22</a:t>
+              <a:t>1/4/23</a:t>
             </a:fld>
             <a:endParaRPr lang="en-US"/>
           </a:p>
@@ -417,7 +419,7 @@
             <a:fld id="{188DC904-55FF-4461-A3DE-1C7CA196B795}" type="datetimeFigureOut">
               <a:rPr lang="en-US" smtClean="0"/>
               <a:pPr/>
-              <a:t>12/17/22</a:t>
+              <a:t>1/4/23</a:t>
             </a:fld>
             <a:endParaRPr lang="en-US"/>
           </a:p>
@@ -1603,7 +1605,7 @@
             <a:fld id="{901588B7-7B8A-43EA-9799-C30A561A5E60}" type="datetimeFigureOut">
               <a:rPr lang="en-US" smtClean="0"/>
               <a:pPr/>
-              <a:t>12/17/22</a:t>
+              <a:t>1/4/23</a:t>
             </a:fld>
             <a:endParaRPr lang="en-CA"/>
           </a:p>
@@ -1770,7 +1772,7 @@
             <a:fld id="{901588B7-7B8A-43EA-9799-C30A561A5E60}" type="datetimeFigureOut">
               <a:rPr lang="en-US" smtClean="0"/>
               <a:pPr/>
-              <a:t>12/17/22</a:t>
+              <a:t>1/4/23</a:t>
             </a:fld>
             <a:endParaRPr lang="en-CA"/>
           </a:p>
@@ -1947,7 +1949,7 @@
             <a:fld id="{901588B7-7B8A-43EA-9799-C30A561A5E60}" type="datetimeFigureOut">
               <a:rPr lang="en-US" smtClean="0"/>
               <a:pPr/>
-              <a:t>12/17/22</a:t>
+              <a:t>1/4/23</a:t>
             </a:fld>
             <a:endParaRPr lang="en-CA"/>
           </a:p>
@@ -4142,7 +4144,7 @@
             <a:fld id="{901588B7-7B8A-43EA-9799-C30A561A5E60}" type="datetimeFigureOut">
               <a:rPr lang="en-US" smtClean="0"/>
               <a:pPr/>
-              <a:t>12/17/22</a:t>
+              <a:t>1/4/23</a:t>
             </a:fld>
             <a:endParaRPr lang="en-CA"/>
           </a:p>
@@ -5055,7 +5057,7 @@
             <a:fld id="{901588B7-7B8A-43EA-9799-C30A561A5E60}" type="datetimeFigureOut">
               <a:rPr lang="en-US" smtClean="0"/>
               <a:pPr/>
-              <a:t>12/17/22</a:t>
+              <a:t>1/4/23</a:t>
             </a:fld>
             <a:endParaRPr lang="en-CA"/>
           </a:p>
@@ -5340,7 +5342,7 @@
             <a:fld id="{901588B7-7B8A-43EA-9799-C30A561A5E60}" type="datetimeFigureOut">
               <a:rPr lang="en-US" smtClean="0"/>
               <a:pPr/>
-              <a:t>12/17/22</a:t>
+              <a:t>1/4/23</a:t>
             </a:fld>
             <a:endParaRPr lang="en-CA"/>
           </a:p>
@@ -5759,7 +5761,7 @@
             <a:fld id="{901588B7-7B8A-43EA-9799-C30A561A5E60}" type="datetimeFigureOut">
               <a:rPr lang="en-US" smtClean="0"/>
               <a:pPr/>
-              <a:t>12/17/22</a:t>
+              <a:t>1/4/23</a:t>
             </a:fld>
             <a:endParaRPr lang="en-CA"/>
           </a:p>
@@ -5874,7 +5876,7 @@
             <a:fld id="{901588B7-7B8A-43EA-9799-C30A561A5E60}" type="datetimeFigureOut">
               <a:rPr lang="en-US" smtClean="0"/>
               <a:pPr/>
-              <a:t>12/17/22</a:t>
+              <a:t>1/4/23</a:t>
             </a:fld>
             <a:endParaRPr lang="en-CA"/>
           </a:p>
@@ -5966,7 +5968,7 @@
             <a:fld id="{901588B7-7B8A-43EA-9799-C30A561A5E60}" type="datetimeFigureOut">
               <a:rPr lang="en-US" smtClean="0"/>
               <a:pPr/>
-              <a:t>12/17/22</a:t>
+              <a:t>1/4/23</a:t>
             </a:fld>
             <a:endParaRPr lang="en-CA"/>
           </a:p>
@@ -6240,7 +6242,7 @@
             <a:fld id="{901588B7-7B8A-43EA-9799-C30A561A5E60}" type="datetimeFigureOut">
               <a:rPr lang="en-US" smtClean="0"/>
               <a:pPr/>
-              <a:t>12/17/22</a:t>
+              <a:t>1/4/23</a:t>
             </a:fld>
             <a:endParaRPr lang="en-CA"/>
           </a:p>
@@ -6490,7 +6492,7 @@
             <a:fld id="{901588B7-7B8A-43EA-9799-C30A561A5E60}" type="datetimeFigureOut">
               <a:rPr lang="en-US" smtClean="0"/>
               <a:pPr/>
-              <a:t>12/17/22</a:t>
+              <a:t>1/4/23</a:t>
             </a:fld>
             <a:endParaRPr lang="en-CA"/>
           </a:p>
@@ -6700,7 +6702,7 @@
             <a:fld id="{901588B7-7B8A-43EA-9799-C30A561A5E60}" type="datetimeFigureOut">
               <a:rPr lang="en-US" smtClean="0"/>
               <a:pPr/>
-              <a:t>12/17/22</a:t>
+              <a:t>1/4/23</a:t>
             </a:fld>
             <a:endParaRPr lang="en-CA"/>
           </a:p>
@@ -14869,6 +14871,1167 @@
       </p:grpSpPr>
       <p:sp>
         <p:nvSpPr>
+          <p:cNvPr id="3" name="Title 6">
+            <a:extLst>
+              <a:ext uri="{FF2B5EF4-FFF2-40B4-BE49-F238E27FC236}">
+                <a16:creationId xmlns:a16="http://schemas.microsoft.com/office/drawing/2014/main" id="{DE0421E3-3A9B-4CCC-84D7-A73D8F4D7089}"/>
+              </a:ext>
+            </a:extLst>
+          </p:cNvPr>
+          <p:cNvSpPr>
+            <a:spLocks noGrp="1"/>
+          </p:cNvSpPr>
+          <p:nvPr>
+            <p:ph type="title"/>
+          </p:nvPr>
+        </p:nvSpPr>
+        <p:spPr/>
+        <p:txBody>
+          <a:bodyPr rtlCol="0">
+            <a:normAutofit fontScale="90000"/>
+          </a:bodyPr>
+          <a:lstStyle/>
+          <a:p>
+            <a:pPr>
+              <a:defRPr/>
+            </a:pPr>
+            <a:r>
+              <a:rPr lang="en-US" dirty="0"/>
+              <a:t>Binary Search (cont'd.)</a:t>
+            </a:r>
+            <a:br>
+              <a:rPr lang="en-US" dirty="0"/>
+            </a:br>
+            <a:r>
+              <a:rPr lang="en-US" dirty="0">
+                <a:solidFill>
+                  <a:srgbClr val="FF0000"/>
+                </a:solidFill>
+              </a:rPr>
+              <a:t>The Full Program</a:t>
+            </a:r>
+          </a:p>
+        </p:txBody>
+      </p:sp>
+      <p:sp>
+        <p:nvSpPr>
+          <p:cNvPr id="4" name="Content Placeholder 3">
+            <a:extLst>
+              <a:ext uri="{FF2B5EF4-FFF2-40B4-BE49-F238E27FC236}">
+                <a16:creationId xmlns:a16="http://schemas.microsoft.com/office/drawing/2014/main" id="{51288CC0-D939-4E9F-B8B5-30E4ADA08572}"/>
+              </a:ext>
+            </a:extLst>
+          </p:cNvPr>
+          <p:cNvSpPr>
+            <a:spLocks noGrp="1"/>
+          </p:cNvSpPr>
+          <p:nvPr>
+            <p:ph idx="1"/>
+          </p:nvPr>
+        </p:nvSpPr>
+        <p:spPr>
+          <a:xfrm>
+            <a:off x="1000100" y="1398166"/>
+            <a:ext cx="7892380" cy="5185196"/>
+          </a:xfrm>
+        </p:spPr>
+        <p:txBody>
+          <a:bodyPr>
+            <a:normAutofit fontScale="25000" lnSpcReduction="20000"/>
+          </a:bodyPr>
+          <a:lstStyle/>
+          <a:p>
+            <a:pPr marL="0" indent="0">
+              <a:buNone/>
+            </a:pPr>
+            <a:r>
+              <a:rPr lang="en-US" sz="3700" dirty="0">
+                <a:latin typeface="Consolas" pitchFamily="49" charset="0"/>
+                <a:cs typeface="Consolas" pitchFamily="49" charset="0"/>
+              </a:rPr>
+              <a:t>// This program illustrates how to use binary search in a program.</a:t>
+            </a:r>
+          </a:p>
+          <a:p>
+            <a:pPr marL="0" indent="0">
+              <a:buNone/>
+            </a:pPr>
+            <a:endParaRPr lang="en-US" sz="3700" dirty="0">
+              <a:latin typeface="Consolas" pitchFamily="49" charset="0"/>
+              <a:cs typeface="Consolas" pitchFamily="49" charset="0"/>
+            </a:endParaRPr>
+          </a:p>
+          <a:p>
+            <a:pPr marL="0" indent="0">
+              <a:buNone/>
+            </a:pPr>
+            <a:r>
+              <a:rPr lang="en-US" sz="3700" dirty="0">
+                <a:latin typeface="Consolas" pitchFamily="49" charset="0"/>
+                <a:cs typeface="Consolas" pitchFamily="49" charset="0"/>
+              </a:rPr>
+              <a:t>#include &lt;iostream&gt; </a:t>
+            </a:r>
+          </a:p>
+          <a:p>
+            <a:pPr marL="0" indent="0">
+              <a:buNone/>
+            </a:pPr>
+            <a:r>
+              <a:rPr lang="en-US" sz="3700" dirty="0">
+                <a:latin typeface="Consolas" pitchFamily="49" charset="0"/>
+                <a:cs typeface="Consolas" pitchFamily="49" charset="0"/>
+              </a:rPr>
+              <a:t>using namespace std; </a:t>
+            </a:r>
+          </a:p>
+          <a:p>
+            <a:pPr marL="0" indent="0">
+              <a:buNone/>
+            </a:pPr>
+            <a:endParaRPr lang="en-US" sz="3700" dirty="0">
+              <a:latin typeface="Consolas" pitchFamily="49" charset="0"/>
+              <a:cs typeface="Consolas" pitchFamily="49" charset="0"/>
+            </a:endParaRPr>
+          </a:p>
+          <a:p>
+            <a:pPr marL="0" indent="0">
+              <a:buNone/>
+            </a:pPr>
+            <a:r>
+              <a:rPr lang="en-US" sz="3700" dirty="0">
+                <a:latin typeface="Consolas" pitchFamily="49" charset="0"/>
+                <a:cs typeface="Consolas" pitchFamily="49" charset="0"/>
+              </a:rPr>
+              <a:t>const int ARRAY_SIZE = 5; </a:t>
+            </a:r>
+          </a:p>
+          <a:p>
+            <a:pPr marL="0" indent="0">
+              <a:buNone/>
+            </a:pPr>
+            <a:endParaRPr lang="en-US" sz="3700" dirty="0">
+              <a:latin typeface="Consolas" pitchFamily="49" charset="0"/>
+              <a:cs typeface="Consolas" pitchFamily="49" charset="0"/>
+            </a:endParaRPr>
+          </a:p>
+          <a:p>
+            <a:pPr marL="0" indent="0">
+              <a:buNone/>
+            </a:pPr>
+            <a:r>
+              <a:rPr lang="en-US" sz="3700" dirty="0">
+                <a:latin typeface="Consolas" pitchFamily="49" charset="0"/>
+                <a:cs typeface="Consolas" pitchFamily="49" charset="0"/>
+              </a:rPr>
+              <a:t>int </a:t>
+            </a:r>
+            <a:r>
+              <a:rPr lang="en-US" sz="3700" dirty="0" err="1">
+                <a:latin typeface="Consolas" pitchFamily="49" charset="0"/>
+                <a:cs typeface="Consolas" pitchFamily="49" charset="0"/>
+              </a:rPr>
+              <a:t>binarySearch</a:t>
+            </a:r>
+            <a:r>
+              <a:rPr lang="en-US" sz="3700" dirty="0">
+                <a:latin typeface="Consolas" pitchFamily="49" charset="0"/>
+                <a:cs typeface="Consolas" pitchFamily="49" charset="0"/>
+              </a:rPr>
+              <a:t>(const int list[], int </a:t>
+            </a:r>
+            <a:r>
+              <a:rPr lang="en-US" sz="3700" dirty="0" err="1">
+                <a:latin typeface="Consolas" pitchFamily="49" charset="0"/>
+                <a:cs typeface="Consolas" pitchFamily="49" charset="0"/>
+              </a:rPr>
+              <a:t>listLength</a:t>
+            </a:r>
+            <a:r>
+              <a:rPr lang="en-US" sz="3700" dirty="0">
+                <a:latin typeface="Consolas" pitchFamily="49" charset="0"/>
+                <a:cs typeface="Consolas" pitchFamily="49" charset="0"/>
+              </a:rPr>
+              <a:t>, int </a:t>
+            </a:r>
+            <a:r>
+              <a:rPr lang="en-US" sz="3700" dirty="0" err="1">
+                <a:latin typeface="Consolas" pitchFamily="49" charset="0"/>
+                <a:cs typeface="Consolas" pitchFamily="49" charset="0"/>
+              </a:rPr>
+              <a:t>searchItem</a:t>
+            </a:r>
+            <a:r>
+              <a:rPr lang="en-US" sz="3700" dirty="0">
+                <a:latin typeface="Consolas" pitchFamily="49" charset="0"/>
+                <a:cs typeface="Consolas" pitchFamily="49" charset="0"/>
+              </a:rPr>
+              <a:t>); </a:t>
+            </a:r>
+          </a:p>
+          <a:p>
+            <a:pPr marL="0" indent="0">
+              <a:buNone/>
+            </a:pPr>
+            <a:endParaRPr lang="en-US" sz="3700" dirty="0">
+              <a:latin typeface="Consolas" pitchFamily="49" charset="0"/>
+              <a:cs typeface="Consolas" pitchFamily="49" charset="0"/>
+            </a:endParaRPr>
+          </a:p>
+          <a:p>
+            <a:pPr marL="0" indent="0">
+              <a:buNone/>
+            </a:pPr>
+            <a:endParaRPr lang="en-US" sz="3700" dirty="0">
+              <a:latin typeface="Consolas" pitchFamily="49" charset="0"/>
+              <a:cs typeface="Consolas" pitchFamily="49" charset="0"/>
+            </a:endParaRPr>
+          </a:p>
+          <a:p>
+            <a:pPr marL="0" indent="0">
+              <a:buNone/>
+            </a:pPr>
+            <a:r>
+              <a:rPr lang="en-US" sz="3700" dirty="0">
+                <a:latin typeface="Consolas" pitchFamily="49" charset="0"/>
+                <a:cs typeface="Consolas" pitchFamily="49" charset="0"/>
+              </a:rPr>
+              <a:t>int main() </a:t>
+            </a:r>
+          </a:p>
+          <a:p>
+            <a:pPr marL="0" indent="0">
+              <a:buNone/>
+            </a:pPr>
+            <a:r>
+              <a:rPr lang="en-US" sz="3700" dirty="0">
+                <a:latin typeface="Consolas" pitchFamily="49" charset="0"/>
+                <a:cs typeface="Consolas" pitchFamily="49" charset="0"/>
+              </a:rPr>
+              <a:t>{ </a:t>
+            </a:r>
+          </a:p>
+          <a:p>
+            <a:pPr marL="0" indent="0">
+              <a:buNone/>
+            </a:pPr>
+            <a:endParaRPr lang="en-US" sz="3700" dirty="0">
+              <a:latin typeface="Consolas" pitchFamily="49" charset="0"/>
+              <a:cs typeface="Consolas" pitchFamily="49" charset="0"/>
+            </a:endParaRPr>
+          </a:p>
+          <a:p>
+            <a:pPr marL="0" indent="0">
+              <a:buNone/>
+            </a:pPr>
+            <a:r>
+              <a:rPr lang="en-US" sz="3700" dirty="0">
+                <a:latin typeface="Consolas" pitchFamily="49" charset="0"/>
+                <a:cs typeface="Consolas" pitchFamily="49" charset="0"/>
+              </a:rPr>
+              <a:t>	int </a:t>
+            </a:r>
+            <a:r>
+              <a:rPr lang="en-US" sz="3700" dirty="0" err="1">
+                <a:latin typeface="Consolas" pitchFamily="49" charset="0"/>
+                <a:cs typeface="Consolas" pitchFamily="49" charset="0"/>
+              </a:rPr>
+              <a:t>intList</a:t>
+            </a:r>
+            <a:r>
+              <a:rPr lang="en-US" sz="3700" dirty="0">
+                <a:latin typeface="Consolas" pitchFamily="49" charset="0"/>
+                <a:cs typeface="Consolas" pitchFamily="49" charset="0"/>
+              </a:rPr>
+              <a:t>[ARRAY_SIZE]; </a:t>
+            </a:r>
+          </a:p>
+          <a:p>
+            <a:pPr marL="0" indent="0">
+              <a:buNone/>
+            </a:pPr>
+            <a:r>
+              <a:rPr lang="en-US" sz="3700" dirty="0">
+                <a:latin typeface="Consolas" pitchFamily="49" charset="0"/>
+                <a:cs typeface="Consolas" pitchFamily="49" charset="0"/>
+              </a:rPr>
+              <a:t>	int number; </a:t>
+            </a:r>
+          </a:p>
+          <a:p>
+            <a:pPr marL="0" indent="0">
+              <a:buNone/>
+            </a:pPr>
+            <a:r>
+              <a:rPr lang="en-US" sz="3700" dirty="0">
+                <a:latin typeface="Consolas" pitchFamily="49" charset="0"/>
+                <a:cs typeface="Consolas" pitchFamily="49" charset="0"/>
+              </a:rPr>
+              <a:t>	</a:t>
+            </a:r>
+          </a:p>
+          <a:p>
+            <a:pPr marL="0" indent="0">
+              <a:buNone/>
+            </a:pPr>
+            <a:r>
+              <a:rPr lang="en-US" sz="3700" dirty="0">
+                <a:latin typeface="Consolas" pitchFamily="49" charset="0"/>
+                <a:cs typeface="Consolas" pitchFamily="49" charset="0"/>
+              </a:rPr>
+              <a:t>	</a:t>
+            </a:r>
+            <a:r>
+              <a:rPr lang="en-US" sz="3700" dirty="0" err="1">
+                <a:latin typeface="Consolas" pitchFamily="49" charset="0"/>
+                <a:cs typeface="Consolas" pitchFamily="49" charset="0"/>
+              </a:rPr>
+              <a:t>cout</a:t>
+            </a:r>
+            <a:r>
+              <a:rPr lang="en-US" sz="3700" dirty="0">
+                <a:latin typeface="Consolas" pitchFamily="49" charset="0"/>
+                <a:cs typeface="Consolas" pitchFamily="49" charset="0"/>
+              </a:rPr>
+              <a:t> &lt;&lt; " Enter " &lt;&lt; ARRAY_SIZE&lt;&lt; " integers." &lt;&lt; </a:t>
+            </a:r>
+            <a:r>
+              <a:rPr lang="en-US" sz="3700" dirty="0" err="1">
+                <a:latin typeface="Consolas" pitchFamily="49" charset="0"/>
+                <a:cs typeface="Consolas" pitchFamily="49" charset="0"/>
+              </a:rPr>
+              <a:t>endl</a:t>
+            </a:r>
+            <a:r>
+              <a:rPr lang="en-US" sz="3700" dirty="0">
+                <a:latin typeface="Consolas" pitchFamily="49" charset="0"/>
+                <a:cs typeface="Consolas" pitchFamily="49" charset="0"/>
+              </a:rPr>
+              <a:t>; </a:t>
+            </a:r>
+          </a:p>
+          <a:p>
+            <a:pPr marL="0" indent="0">
+              <a:buNone/>
+            </a:pPr>
+            <a:r>
+              <a:rPr lang="en-US" sz="3700" dirty="0">
+                <a:latin typeface="Consolas" pitchFamily="49" charset="0"/>
+                <a:cs typeface="Consolas" pitchFamily="49" charset="0"/>
+              </a:rPr>
+              <a:t>	</a:t>
+            </a:r>
+          </a:p>
+          <a:p>
+            <a:pPr marL="0" indent="0">
+              <a:buNone/>
+            </a:pPr>
+            <a:r>
+              <a:rPr lang="en-US" sz="3700" dirty="0">
+                <a:latin typeface="Consolas" pitchFamily="49" charset="0"/>
+                <a:cs typeface="Consolas" pitchFamily="49" charset="0"/>
+              </a:rPr>
+              <a:t>	for (int index = 0; index &lt; ARRAY_SIZE; index++) </a:t>
+            </a:r>
+          </a:p>
+          <a:p>
+            <a:pPr marL="0" indent="0">
+              <a:buNone/>
+            </a:pPr>
+            <a:r>
+              <a:rPr lang="en-US" sz="3700" dirty="0">
+                <a:latin typeface="Consolas" pitchFamily="49" charset="0"/>
+                <a:cs typeface="Consolas" pitchFamily="49" charset="0"/>
+              </a:rPr>
+              <a:t>	   </a:t>
+            </a:r>
+            <a:r>
+              <a:rPr lang="en-US" sz="3700" dirty="0" err="1">
+                <a:latin typeface="Consolas" pitchFamily="49" charset="0"/>
+                <a:cs typeface="Consolas" pitchFamily="49" charset="0"/>
+              </a:rPr>
+              <a:t>cin</a:t>
+            </a:r>
+            <a:r>
+              <a:rPr lang="en-US" sz="3700" dirty="0">
+                <a:latin typeface="Consolas" pitchFamily="49" charset="0"/>
+                <a:cs typeface="Consolas" pitchFamily="49" charset="0"/>
+              </a:rPr>
+              <a:t> &gt;&gt; </a:t>
+            </a:r>
+            <a:r>
+              <a:rPr lang="en-US" sz="3700" dirty="0" err="1">
+                <a:latin typeface="Consolas" pitchFamily="49" charset="0"/>
+                <a:cs typeface="Consolas" pitchFamily="49" charset="0"/>
+              </a:rPr>
+              <a:t>intList</a:t>
+            </a:r>
+            <a:r>
+              <a:rPr lang="en-US" sz="3700" dirty="0">
+                <a:latin typeface="Consolas" pitchFamily="49" charset="0"/>
+                <a:cs typeface="Consolas" pitchFamily="49" charset="0"/>
+              </a:rPr>
+              <a:t>[index]; </a:t>
+            </a:r>
+          </a:p>
+          <a:p>
+            <a:pPr marL="0" indent="0">
+              <a:buNone/>
+            </a:pPr>
+            <a:r>
+              <a:rPr lang="en-US" sz="3700" dirty="0">
+                <a:latin typeface="Consolas" pitchFamily="49" charset="0"/>
+                <a:cs typeface="Consolas" pitchFamily="49" charset="0"/>
+              </a:rPr>
+              <a:t>	</a:t>
+            </a:r>
+          </a:p>
+          <a:p>
+            <a:pPr marL="0" indent="0">
+              <a:buNone/>
+            </a:pPr>
+            <a:r>
+              <a:rPr lang="en-US" sz="3700" dirty="0">
+                <a:latin typeface="Consolas" pitchFamily="49" charset="0"/>
+                <a:cs typeface="Consolas" pitchFamily="49" charset="0"/>
+              </a:rPr>
+              <a:t>	</a:t>
+            </a:r>
+            <a:r>
+              <a:rPr lang="en-US" sz="3700" dirty="0" err="1">
+                <a:latin typeface="Consolas" pitchFamily="49" charset="0"/>
+                <a:cs typeface="Consolas" pitchFamily="49" charset="0"/>
+              </a:rPr>
+              <a:t>cout</a:t>
+            </a:r>
+            <a:r>
+              <a:rPr lang="en-US" sz="3700" dirty="0">
+                <a:latin typeface="Consolas" pitchFamily="49" charset="0"/>
+                <a:cs typeface="Consolas" pitchFamily="49" charset="0"/>
+              </a:rPr>
+              <a:t> &lt;&lt; </a:t>
+            </a:r>
+            <a:r>
+              <a:rPr lang="en-US" sz="3700" dirty="0" err="1">
+                <a:latin typeface="Consolas" pitchFamily="49" charset="0"/>
+                <a:cs typeface="Consolas" pitchFamily="49" charset="0"/>
+              </a:rPr>
+              <a:t>endl</a:t>
+            </a:r>
+            <a:r>
+              <a:rPr lang="en-US" sz="3700" dirty="0">
+                <a:latin typeface="Consolas" pitchFamily="49" charset="0"/>
+                <a:cs typeface="Consolas" pitchFamily="49" charset="0"/>
+              </a:rPr>
+              <a:t>; </a:t>
+            </a:r>
+          </a:p>
+          <a:p>
+            <a:pPr marL="0" indent="0">
+              <a:buNone/>
+            </a:pPr>
+            <a:r>
+              <a:rPr lang="en-US" sz="3700" dirty="0">
+                <a:latin typeface="Consolas" pitchFamily="49" charset="0"/>
+                <a:cs typeface="Consolas" pitchFamily="49" charset="0"/>
+              </a:rPr>
+              <a:t>	</a:t>
+            </a:r>
+          </a:p>
+          <a:p>
+            <a:pPr marL="0" indent="0">
+              <a:buNone/>
+            </a:pPr>
+            <a:r>
+              <a:rPr lang="en-US" sz="3700" dirty="0">
+                <a:latin typeface="Consolas" pitchFamily="49" charset="0"/>
+                <a:cs typeface="Consolas" pitchFamily="49" charset="0"/>
+              </a:rPr>
+              <a:t>	</a:t>
+            </a:r>
+            <a:r>
+              <a:rPr lang="en-US" sz="3700" dirty="0" err="1">
+                <a:latin typeface="Consolas" pitchFamily="49" charset="0"/>
+                <a:cs typeface="Consolas" pitchFamily="49" charset="0"/>
+              </a:rPr>
+              <a:t>cout</a:t>
+            </a:r>
+            <a:r>
+              <a:rPr lang="en-US" sz="3700" dirty="0">
+                <a:latin typeface="Consolas" pitchFamily="49" charset="0"/>
+                <a:cs typeface="Consolas" pitchFamily="49" charset="0"/>
+              </a:rPr>
+              <a:t> &lt;&lt; " Enter the number to be "&lt;&lt; "searched: "; </a:t>
+            </a:r>
+          </a:p>
+          <a:p>
+            <a:pPr marL="0" indent="0">
+              <a:buNone/>
+            </a:pPr>
+            <a:r>
+              <a:rPr lang="en-US" sz="3700" dirty="0">
+                <a:latin typeface="Consolas" pitchFamily="49" charset="0"/>
+                <a:cs typeface="Consolas" pitchFamily="49" charset="0"/>
+              </a:rPr>
+              <a:t>	</a:t>
+            </a:r>
+            <a:r>
+              <a:rPr lang="en-US" sz="3700" dirty="0" err="1">
+                <a:latin typeface="Consolas" pitchFamily="49" charset="0"/>
+                <a:cs typeface="Consolas" pitchFamily="49" charset="0"/>
+              </a:rPr>
+              <a:t>cin</a:t>
+            </a:r>
+            <a:r>
+              <a:rPr lang="en-US" sz="3700" dirty="0">
+                <a:latin typeface="Consolas" pitchFamily="49" charset="0"/>
+                <a:cs typeface="Consolas" pitchFamily="49" charset="0"/>
+              </a:rPr>
+              <a:t> &gt;&gt; number; </a:t>
+            </a:r>
+          </a:p>
+          <a:p>
+            <a:pPr marL="0" indent="0">
+              <a:buNone/>
+            </a:pPr>
+            <a:r>
+              <a:rPr lang="en-US" sz="3700" dirty="0">
+                <a:latin typeface="Consolas" pitchFamily="49" charset="0"/>
+                <a:cs typeface="Consolas" pitchFamily="49" charset="0"/>
+              </a:rPr>
+              <a:t>	</a:t>
+            </a:r>
+            <a:r>
+              <a:rPr lang="en-US" sz="3700" dirty="0" err="1">
+                <a:latin typeface="Consolas" pitchFamily="49" charset="0"/>
+                <a:cs typeface="Consolas" pitchFamily="49" charset="0"/>
+              </a:rPr>
+              <a:t>cout</a:t>
+            </a:r>
+            <a:r>
+              <a:rPr lang="en-US" sz="3700" dirty="0">
+                <a:latin typeface="Consolas" pitchFamily="49" charset="0"/>
+                <a:cs typeface="Consolas" pitchFamily="49" charset="0"/>
+              </a:rPr>
+              <a:t> &lt;&lt; </a:t>
+            </a:r>
+            <a:r>
+              <a:rPr lang="en-US" sz="3700" dirty="0" err="1">
+                <a:latin typeface="Consolas" pitchFamily="49" charset="0"/>
+                <a:cs typeface="Consolas" pitchFamily="49" charset="0"/>
+              </a:rPr>
+              <a:t>endl</a:t>
+            </a:r>
+            <a:r>
+              <a:rPr lang="en-US" sz="3700" dirty="0">
+                <a:latin typeface="Consolas" pitchFamily="49" charset="0"/>
+                <a:cs typeface="Consolas" pitchFamily="49" charset="0"/>
+              </a:rPr>
+              <a:t>; </a:t>
+            </a:r>
+          </a:p>
+          <a:p>
+            <a:pPr marL="0" indent="0">
+              <a:buNone/>
+            </a:pPr>
+            <a:endParaRPr lang="en-US" sz="3700" dirty="0">
+              <a:latin typeface="Consolas" pitchFamily="49" charset="0"/>
+              <a:cs typeface="Consolas" pitchFamily="49" charset="0"/>
+            </a:endParaRPr>
+          </a:p>
+          <a:p>
+            <a:pPr marL="0" indent="0">
+              <a:buNone/>
+            </a:pPr>
+            <a:r>
+              <a:rPr lang="en-US" sz="3700" dirty="0">
+                <a:latin typeface="Consolas" pitchFamily="49" charset="0"/>
+                <a:cs typeface="Consolas" pitchFamily="49" charset="0"/>
+              </a:rPr>
+              <a:t>	int pos;</a:t>
+            </a:r>
+          </a:p>
+          <a:p>
+            <a:pPr marL="0" indent="0">
+              <a:buNone/>
+            </a:pPr>
+            <a:r>
+              <a:rPr lang="en-US" sz="3700" dirty="0">
+                <a:latin typeface="Consolas" pitchFamily="49" charset="0"/>
+                <a:cs typeface="Consolas" pitchFamily="49" charset="0"/>
+              </a:rPr>
+              <a:t>	pos = </a:t>
+            </a:r>
+            <a:r>
+              <a:rPr lang="en-US" sz="3700" dirty="0" err="1">
+                <a:latin typeface="Consolas" pitchFamily="49" charset="0"/>
+                <a:cs typeface="Consolas" pitchFamily="49" charset="0"/>
+              </a:rPr>
+              <a:t>binarySearch</a:t>
+            </a:r>
+            <a:r>
+              <a:rPr lang="en-US" sz="3700" dirty="0">
+                <a:latin typeface="Consolas" pitchFamily="49" charset="0"/>
+                <a:cs typeface="Consolas" pitchFamily="49" charset="0"/>
+              </a:rPr>
+              <a:t>(</a:t>
+            </a:r>
+            <a:r>
+              <a:rPr lang="en-US" sz="3700" dirty="0" err="1">
+                <a:latin typeface="Consolas" pitchFamily="49" charset="0"/>
+                <a:cs typeface="Consolas" pitchFamily="49" charset="0"/>
+              </a:rPr>
+              <a:t>intList</a:t>
+            </a:r>
+            <a:r>
+              <a:rPr lang="en-US" sz="3700" dirty="0">
+                <a:latin typeface="Consolas" pitchFamily="49" charset="0"/>
+                <a:cs typeface="Consolas" pitchFamily="49" charset="0"/>
+              </a:rPr>
+              <a:t>, ARRAY_SIZE, number); </a:t>
+            </a:r>
+          </a:p>
+          <a:p>
+            <a:pPr marL="0" indent="0">
+              <a:buNone/>
+            </a:pPr>
+            <a:r>
+              <a:rPr lang="en-US" sz="3700" dirty="0">
+                <a:latin typeface="Consolas" pitchFamily="49" charset="0"/>
+                <a:cs typeface="Consolas" pitchFamily="49" charset="0"/>
+              </a:rPr>
+              <a:t>	</a:t>
+            </a:r>
+          </a:p>
+          <a:p>
+            <a:pPr marL="0" indent="0">
+              <a:buNone/>
+            </a:pPr>
+            <a:r>
+              <a:rPr lang="en-US" sz="3700" dirty="0">
+                <a:latin typeface="Consolas" pitchFamily="49" charset="0"/>
+                <a:cs typeface="Consolas" pitchFamily="49" charset="0"/>
+              </a:rPr>
+              <a:t>	if (pos!= -1) </a:t>
+            </a:r>
+          </a:p>
+          <a:p>
+            <a:pPr marL="0" indent="0">
+              <a:buNone/>
+            </a:pPr>
+            <a:r>
+              <a:rPr lang="en-US" sz="3700" dirty="0">
+                <a:latin typeface="Consolas" pitchFamily="49" charset="0"/>
+                <a:cs typeface="Consolas" pitchFamily="49" charset="0"/>
+              </a:rPr>
+              <a:t>	   </a:t>
+            </a:r>
+            <a:r>
+              <a:rPr lang="en-US" sz="3700" dirty="0" err="1">
+                <a:latin typeface="Consolas" pitchFamily="49" charset="0"/>
+                <a:cs typeface="Consolas" pitchFamily="49" charset="0"/>
+              </a:rPr>
+              <a:t>cout</a:t>
+            </a:r>
+            <a:r>
+              <a:rPr lang="en-US" sz="3700" dirty="0">
+                <a:latin typeface="Consolas" pitchFamily="49" charset="0"/>
+                <a:cs typeface="Consolas" pitchFamily="49" charset="0"/>
+              </a:rPr>
+              <a:t> &lt;&lt;" " &lt;&lt; number&lt;&lt; " is found at position " &lt;&lt; pos&lt;&lt; </a:t>
+            </a:r>
+            <a:r>
+              <a:rPr lang="en-US" sz="3700" dirty="0" err="1">
+                <a:latin typeface="Consolas" pitchFamily="49" charset="0"/>
+                <a:cs typeface="Consolas" pitchFamily="49" charset="0"/>
+              </a:rPr>
+              <a:t>endl</a:t>
+            </a:r>
+            <a:r>
+              <a:rPr lang="en-US" sz="3700" dirty="0">
+                <a:latin typeface="Consolas" pitchFamily="49" charset="0"/>
+                <a:cs typeface="Consolas" pitchFamily="49" charset="0"/>
+              </a:rPr>
+              <a:t>; </a:t>
+            </a:r>
+          </a:p>
+          <a:p>
+            <a:pPr marL="0" indent="0">
+              <a:buNone/>
+            </a:pPr>
+            <a:r>
+              <a:rPr lang="en-US" sz="3700" dirty="0">
+                <a:latin typeface="Consolas" pitchFamily="49" charset="0"/>
+                <a:cs typeface="Consolas" pitchFamily="49" charset="0"/>
+              </a:rPr>
+              <a:t>	else </a:t>
+            </a:r>
+          </a:p>
+          <a:p>
+            <a:pPr marL="0" indent="0">
+              <a:buNone/>
+            </a:pPr>
+            <a:r>
+              <a:rPr lang="en-US" sz="3700" dirty="0">
+                <a:latin typeface="Consolas" pitchFamily="49" charset="0"/>
+                <a:cs typeface="Consolas" pitchFamily="49" charset="0"/>
+              </a:rPr>
+              <a:t>	   </a:t>
+            </a:r>
+            <a:r>
+              <a:rPr lang="en-US" sz="3700" dirty="0" err="1">
+                <a:latin typeface="Consolas" pitchFamily="49" charset="0"/>
+                <a:cs typeface="Consolas" pitchFamily="49" charset="0"/>
+              </a:rPr>
+              <a:t>cout</a:t>
+            </a:r>
+            <a:r>
+              <a:rPr lang="en-US" sz="3700" dirty="0">
+                <a:latin typeface="Consolas" pitchFamily="49" charset="0"/>
+                <a:cs typeface="Consolas" pitchFamily="49" charset="0"/>
+              </a:rPr>
+              <a:t> &lt;&lt; " " &lt;&lt; number&lt;&lt; " is not in the list." &lt;&lt; </a:t>
+            </a:r>
+            <a:r>
+              <a:rPr lang="en-US" sz="3700" dirty="0" err="1">
+                <a:latin typeface="Consolas" pitchFamily="49" charset="0"/>
+                <a:cs typeface="Consolas" pitchFamily="49" charset="0"/>
+              </a:rPr>
+              <a:t>endl</a:t>
+            </a:r>
+            <a:r>
+              <a:rPr lang="en-US" sz="3700" dirty="0">
+                <a:latin typeface="Consolas" pitchFamily="49" charset="0"/>
+                <a:cs typeface="Consolas" pitchFamily="49" charset="0"/>
+              </a:rPr>
+              <a:t>; </a:t>
+            </a:r>
+          </a:p>
+          <a:p>
+            <a:pPr marL="0" indent="0">
+              <a:buNone/>
+            </a:pPr>
+            <a:r>
+              <a:rPr lang="en-US" sz="3700" dirty="0">
+                <a:latin typeface="Consolas" pitchFamily="49" charset="0"/>
+                <a:cs typeface="Consolas" pitchFamily="49" charset="0"/>
+              </a:rPr>
+              <a:t>	   </a:t>
+            </a:r>
+          </a:p>
+          <a:p>
+            <a:pPr marL="0" indent="0">
+              <a:buNone/>
+            </a:pPr>
+            <a:r>
+              <a:rPr lang="en-US" sz="3700" dirty="0">
+                <a:latin typeface="Consolas" pitchFamily="49" charset="0"/>
+                <a:cs typeface="Consolas" pitchFamily="49" charset="0"/>
+              </a:rPr>
+              <a:t>	return 0; </a:t>
+            </a:r>
+          </a:p>
+          <a:p>
+            <a:pPr marL="0" indent="0">
+              <a:buNone/>
+            </a:pPr>
+            <a:r>
+              <a:rPr lang="en-US" sz="3700" dirty="0">
+                <a:latin typeface="Consolas" pitchFamily="49" charset="0"/>
+                <a:cs typeface="Consolas" pitchFamily="49" charset="0"/>
+              </a:rPr>
+              <a:t>} </a:t>
+            </a:r>
+            <a:endParaRPr lang="en-US" dirty="0"/>
+          </a:p>
+        </p:txBody>
+      </p:sp>
+    </p:spTree>
+    <p:extLst>
+      <p:ext uri="{BB962C8B-B14F-4D97-AF65-F5344CB8AC3E}">
+        <p14:creationId xmlns:p14="http://schemas.microsoft.com/office/powerpoint/2010/main" val="1983742661"/>
+      </p:ext>
+    </p:extLst>
+  </p:cSld>
+  <p:clrMapOvr>
+    <a:masterClrMapping/>
+  </p:clrMapOvr>
+</p:sld>
+</file>
+
+<file path=ppt/slides/slide35.xml><?xml version="1.0" encoding="utf-8"?>
+<p:sld xmlns:a="http://schemas.openxmlformats.org/drawingml/2006/main" xmlns:r="http://schemas.openxmlformats.org/officeDocument/2006/relationships" xmlns:p="http://schemas.openxmlformats.org/presentationml/2006/main">
+  <p:cSld>
+    <p:spTree>
+      <p:nvGrpSpPr>
+        <p:cNvPr id="1" name=""/>
+        <p:cNvGrpSpPr/>
+        <p:nvPr/>
+      </p:nvGrpSpPr>
+      <p:grpSpPr>
+        <a:xfrm>
+          <a:off x="0" y="0"/>
+          <a:ext cx="0" cy="0"/>
+          <a:chOff x="0" y="0"/>
+          <a:chExt cx="0" cy="0"/>
+        </a:xfrm>
+      </p:grpSpPr>
+      <p:sp>
+        <p:nvSpPr>
+          <p:cNvPr id="3" name="Title 6">
+            <a:extLst>
+              <a:ext uri="{FF2B5EF4-FFF2-40B4-BE49-F238E27FC236}">
+                <a16:creationId xmlns:a16="http://schemas.microsoft.com/office/drawing/2014/main" id="{DE0421E3-3A9B-4CCC-84D7-A73D8F4D7089}"/>
+              </a:ext>
+            </a:extLst>
+          </p:cNvPr>
+          <p:cNvSpPr>
+            <a:spLocks noGrp="1"/>
+          </p:cNvSpPr>
+          <p:nvPr>
+            <p:ph type="title"/>
+          </p:nvPr>
+        </p:nvSpPr>
+        <p:spPr/>
+        <p:txBody>
+          <a:bodyPr rtlCol="0">
+            <a:normAutofit fontScale="90000"/>
+          </a:bodyPr>
+          <a:lstStyle/>
+          <a:p>
+            <a:pPr>
+              <a:defRPr/>
+            </a:pPr>
+            <a:r>
+              <a:rPr lang="en-US" dirty="0"/>
+              <a:t>Binary Search (cont'd.)</a:t>
+            </a:r>
+            <a:br>
+              <a:rPr lang="en-US" dirty="0"/>
+            </a:br>
+            <a:r>
+              <a:rPr lang="en-US" dirty="0">
+                <a:solidFill>
+                  <a:srgbClr val="FF0000"/>
+                </a:solidFill>
+              </a:rPr>
+              <a:t>The Full Program</a:t>
+            </a:r>
+          </a:p>
+        </p:txBody>
+      </p:sp>
+      <p:sp>
+        <p:nvSpPr>
+          <p:cNvPr id="4" name="Content Placeholder 3">
+            <a:extLst>
+              <a:ext uri="{FF2B5EF4-FFF2-40B4-BE49-F238E27FC236}">
+                <a16:creationId xmlns:a16="http://schemas.microsoft.com/office/drawing/2014/main" id="{51288CC0-D939-4E9F-B8B5-30E4ADA08572}"/>
+              </a:ext>
+            </a:extLst>
+          </p:cNvPr>
+          <p:cNvSpPr>
+            <a:spLocks noGrp="1"/>
+          </p:cNvSpPr>
+          <p:nvPr>
+            <p:ph idx="1"/>
+          </p:nvPr>
+        </p:nvSpPr>
+        <p:spPr>
+          <a:xfrm>
+            <a:off x="1000100" y="1600200"/>
+            <a:ext cx="7686700" cy="4983162"/>
+          </a:xfrm>
+        </p:spPr>
+        <p:txBody>
+          <a:bodyPr>
+            <a:normAutofit fontScale="40000" lnSpcReduction="20000"/>
+          </a:bodyPr>
+          <a:lstStyle/>
+          <a:p>
+            <a:pPr marL="0" indent="0">
+              <a:buNone/>
+            </a:pPr>
+            <a:r>
+              <a:rPr lang="en-US" dirty="0"/>
+              <a:t>int </a:t>
+            </a:r>
+            <a:r>
+              <a:rPr lang="en-US" dirty="0" err="1"/>
+              <a:t>binarySearch</a:t>
+            </a:r>
+            <a:r>
+              <a:rPr lang="en-US" dirty="0"/>
+              <a:t>(const int list[], int </a:t>
+            </a:r>
+            <a:r>
+              <a:rPr lang="en-US" dirty="0" err="1"/>
+              <a:t>listLength</a:t>
+            </a:r>
+            <a:r>
+              <a:rPr lang="en-US" dirty="0"/>
+              <a:t>, int </a:t>
+            </a:r>
+            <a:r>
+              <a:rPr lang="en-US" dirty="0" err="1"/>
+              <a:t>searchItem</a:t>
+            </a:r>
+            <a:r>
+              <a:rPr lang="en-US" dirty="0"/>
+              <a:t>) </a:t>
+            </a:r>
+          </a:p>
+          <a:p>
+            <a:pPr marL="0" indent="0">
+              <a:buNone/>
+            </a:pPr>
+            <a:r>
+              <a:rPr lang="en-US" dirty="0"/>
+              <a:t>{</a:t>
+            </a:r>
+          </a:p>
+          <a:p>
+            <a:pPr marL="0" indent="0">
+              <a:buNone/>
+            </a:pPr>
+            <a:r>
+              <a:rPr lang="en-US" dirty="0"/>
+              <a:t>    int first = 0;</a:t>
+            </a:r>
+          </a:p>
+          <a:p>
+            <a:pPr marL="0" indent="0">
+              <a:buNone/>
+            </a:pPr>
+            <a:r>
+              <a:rPr lang="en-US" dirty="0"/>
+              <a:t>    int last = </a:t>
+            </a:r>
+            <a:r>
+              <a:rPr lang="en-US" dirty="0" err="1"/>
+              <a:t>listLength</a:t>
+            </a:r>
+            <a:r>
+              <a:rPr lang="en-US" dirty="0"/>
+              <a:t> - 1; int mid;</a:t>
+            </a:r>
+          </a:p>
+          <a:p>
+            <a:pPr marL="0" indent="0">
+              <a:buNone/>
+            </a:pPr>
+            <a:r>
+              <a:rPr lang="en-US" dirty="0"/>
+              <a:t>    bool found = false;</a:t>
+            </a:r>
+          </a:p>
+          <a:p>
+            <a:pPr marL="0" indent="0">
+              <a:buNone/>
+            </a:pPr>
+            <a:endParaRPr lang="en-US" dirty="0"/>
+          </a:p>
+          <a:p>
+            <a:pPr marL="0" indent="0">
+              <a:buNone/>
+            </a:pPr>
+            <a:r>
+              <a:rPr lang="en-US" dirty="0"/>
+              <a:t>    while (first &lt;= last &amp;&amp; !found) </a:t>
+            </a:r>
+          </a:p>
+          <a:p>
+            <a:pPr marL="0" indent="0">
+              <a:buNone/>
+            </a:pPr>
+            <a:r>
+              <a:rPr lang="en-US" dirty="0"/>
+              <a:t>    {</a:t>
+            </a:r>
+          </a:p>
+          <a:p>
+            <a:pPr marL="0" indent="0">
+              <a:buNone/>
+            </a:pPr>
+            <a:r>
+              <a:rPr lang="en-US" dirty="0"/>
+              <a:t>        mid = (first + last) / 2;</a:t>
+            </a:r>
+          </a:p>
+          <a:p>
+            <a:pPr marL="0" indent="0">
+              <a:buNone/>
+            </a:pPr>
+            <a:r>
+              <a:rPr lang="en-US" dirty="0"/>
+              <a:t>        if (list[mid] == </a:t>
+            </a:r>
+            <a:r>
+              <a:rPr lang="en-US" dirty="0" err="1"/>
+              <a:t>searchItem</a:t>
+            </a:r>
+            <a:r>
+              <a:rPr lang="en-US" dirty="0"/>
+              <a:t>) </a:t>
+            </a:r>
+          </a:p>
+          <a:p>
+            <a:pPr marL="0" indent="0">
+              <a:buNone/>
+            </a:pPr>
+            <a:r>
+              <a:rPr lang="en-US" dirty="0"/>
+              <a:t>        found = true;</a:t>
+            </a:r>
+          </a:p>
+          <a:p>
+            <a:pPr marL="0" indent="0">
+              <a:buNone/>
+            </a:pPr>
+            <a:r>
+              <a:rPr lang="en-US" dirty="0"/>
+              <a:t>        else if (list[mid] &gt; </a:t>
+            </a:r>
+            <a:r>
+              <a:rPr lang="en-US" dirty="0" err="1"/>
+              <a:t>searchItem</a:t>
+            </a:r>
+            <a:r>
+              <a:rPr lang="en-US" dirty="0"/>
+              <a:t>) </a:t>
+            </a:r>
+          </a:p>
+          <a:p>
+            <a:pPr marL="0" indent="0">
+              <a:buNone/>
+            </a:pPr>
+            <a:r>
+              <a:rPr lang="en-US" dirty="0"/>
+              <a:t>        last = mid - 1;</a:t>
+            </a:r>
+          </a:p>
+          <a:p>
+            <a:pPr marL="0" indent="0">
+              <a:buNone/>
+            </a:pPr>
+            <a:r>
+              <a:rPr lang="en-US" dirty="0"/>
+              <a:t>        else</a:t>
+            </a:r>
+          </a:p>
+          <a:p>
+            <a:pPr marL="0" indent="0">
+              <a:buNone/>
+            </a:pPr>
+            <a:r>
+              <a:rPr lang="en-US" dirty="0"/>
+              <a:t>        first = mid + 1;</a:t>
+            </a:r>
+          </a:p>
+          <a:p>
+            <a:pPr marL="0" indent="0">
+              <a:buNone/>
+            </a:pPr>
+            <a:r>
+              <a:rPr lang="en-US" dirty="0"/>
+              <a:t>    }</a:t>
+            </a:r>
+          </a:p>
+          <a:p>
+            <a:pPr marL="0" indent="0">
+              <a:buNone/>
+            </a:pPr>
+            <a:endParaRPr lang="en-US" dirty="0"/>
+          </a:p>
+          <a:p>
+            <a:pPr marL="0" indent="0">
+              <a:buNone/>
+            </a:pPr>
+            <a:r>
+              <a:rPr lang="en-US" dirty="0"/>
+              <a:t>    if (found) </a:t>
+            </a:r>
+          </a:p>
+          <a:p>
+            <a:pPr marL="0" indent="0">
+              <a:buNone/>
+            </a:pPr>
+            <a:r>
+              <a:rPr lang="en-US" dirty="0"/>
+              <a:t>        return mid;</a:t>
+            </a:r>
+          </a:p>
+          <a:p>
+            <a:pPr marL="0" indent="0">
+              <a:buNone/>
+            </a:pPr>
+            <a:r>
+              <a:rPr lang="en-US" dirty="0"/>
+              <a:t>    else</a:t>
+            </a:r>
+          </a:p>
+          <a:p>
+            <a:pPr marL="0" indent="0">
+              <a:buNone/>
+            </a:pPr>
+            <a:r>
+              <a:rPr lang="en-US" dirty="0"/>
+              <a:t>        return -1;</a:t>
+            </a:r>
+          </a:p>
+          <a:p>
+            <a:pPr marL="0" indent="0">
+              <a:buNone/>
+            </a:pPr>
+            <a:r>
+              <a:rPr lang="en-US" dirty="0"/>
+              <a:t>}//end </a:t>
+            </a:r>
+            <a:r>
+              <a:rPr lang="en-US" dirty="0" err="1"/>
+              <a:t>binarySearch</a:t>
+            </a:r>
+            <a:endParaRPr lang="en-US" dirty="0"/>
+          </a:p>
+          <a:p>
+            <a:pPr marL="0" indent="0">
+              <a:buNone/>
+            </a:pPr>
+            <a:endParaRPr lang="en-US" dirty="0"/>
+          </a:p>
+        </p:txBody>
+      </p:sp>
+    </p:spTree>
+    <p:extLst>
+      <p:ext uri="{BB962C8B-B14F-4D97-AF65-F5344CB8AC3E}">
+        <p14:creationId xmlns:p14="http://schemas.microsoft.com/office/powerpoint/2010/main" val="4138976472"/>
+      </p:ext>
+    </p:extLst>
+  </p:cSld>
+  <p:clrMapOvr>
+    <a:masterClrMapping/>
+  </p:clrMapOvr>
+</p:sld>
+</file>
+
+<file path=ppt/slides/slide36.xml><?xml version="1.0" encoding="utf-8"?>
+<p:sld xmlns:a="http://schemas.openxmlformats.org/drawingml/2006/main" xmlns:r="http://schemas.openxmlformats.org/officeDocument/2006/relationships" xmlns:p="http://schemas.openxmlformats.org/presentationml/2006/main">
+  <p:cSld>
+    <p:spTree>
+      <p:nvGrpSpPr>
+        <p:cNvPr id="1" name=""/>
+        <p:cNvGrpSpPr/>
+        <p:nvPr/>
+      </p:nvGrpSpPr>
+      <p:grpSpPr>
+        <a:xfrm>
+          <a:off x="0" y="0"/>
+          <a:ext cx="0" cy="0"/>
+          <a:chOff x="0" y="0"/>
+          <a:chExt cx="0" cy="0"/>
+        </a:xfrm>
+      </p:grpSpPr>
+      <p:sp>
+        <p:nvSpPr>
           <p:cNvPr id="8194" name="Title 1"/>
           <p:cNvSpPr>
             <a:spLocks noGrp="1"/>
@@ -14984,7 +16147,7 @@
               <a:pPr>
                 <a:defRPr/>
               </a:pPr>
-              <a:t>34</a:t>
+              <a:t>36</a:t>
             </a:fld>
             <a:endParaRPr lang="en-US"/>
           </a:p>
@@ -15030,7 +16193,7 @@
 </p:sld>
 </file>
 
-<file path=ppt/slides/slide35.xml><?xml version="1.0" encoding="utf-8"?>
+<file path=ppt/slides/slide37.xml><?xml version="1.0" encoding="utf-8"?>
 <p:sld xmlns:a="http://schemas.openxmlformats.org/drawingml/2006/main" xmlns:r="http://schemas.openxmlformats.org/officeDocument/2006/relationships" xmlns:p="http://schemas.openxmlformats.org/presentationml/2006/main">
   <p:cSld>
     <p:spTree>
@@ -15275,7 +16438,7 @@
               <a:pPr>
                 <a:defRPr/>
               </a:pPr>
-              <a:t>35</a:t>
+              <a:t>37</a:t>
             </a:fld>
             <a:endParaRPr lang="en-US"/>
           </a:p>
@@ -15289,7 +16452,7 @@
 </p:sld>
 </file>
 
-<file path=ppt/slides/slide36.xml><?xml version="1.0" encoding="utf-8"?>
+<file path=ppt/slides/slide38.xml><?xml version="1.0" encoding="utf-8"?>
 <p:sld xmlns:a="http://schemas.openxmlformats.org/drawingml/2006/main" xmlns:r="http://schemas.openxmlformats.org/officeDocument/2006/relationships" xmlns:p="http://schemas.openxmlformats.org/presentationml/2006/main">
   <p:cSld>
     <p:spTree>
@@ -15381,7 +16544,7 @@
               <a:pPr>
                 <a:defRPr/>
               </a:pPr>
-              <a:t>36</a:t>
+              <a:t>38</a:t>
             </a:fld>
             <a:endParaRPr lang="en-US" dirty="0"/>
           </a:p>
@@ -15656,7 +16819,7 @@
 </p:sld>
 </file>
 
-<file path=ppt/slides/slide37.xml><?xml version="1.0" encoding="utf-8"?>
+<file path=ppt/slides/slide39.xml><?xml version="1.0" encoding="utf-8"?>
 <p:sld xmlns:a="http://schemas.openxmlformats.org/drawingml/2006/main" xmlns:r="http://schemas.openxmlformats.org/officeDocument/2006/relationships" xmlns:p="http://schemas.openxmlformats.org/presentationml/2006/main">
   <p:cSld>
     <p:spTree>
@@ -15748,7 +16911,7 @@
               <a:pPr>
                 <a:defRPr/>
               </a:pPr>
-              <a:t>37</a:t>
+              <a:t>39</a:t>
             </a:fld>
             <a:endParaRPr lang="en-US"/>
           </a:p>
@@ -15973,580 +17136,6 @@
           <a:p>
             <a:pPr algn="ctr"/>
             <a:endParaRPr lang="en-CA"/>
-          </a:p>
-        </p:txBody>
-      </p:sp>
-    </p:spTree>
-  </p:cSld>
-  <p:clrMapOvr>
-    <a:masterClrMapping/>
-  </p:clrMapOvr>
-</p:sld>
-</file>
-
-<file path=ppt/slides/slide38.xml><?xml version="1.0" encoding="utf-8"?>
-<p:sld xmlns:a="http://schemas.openxmlformats.org/drawingml/2006/main" xmlns:r="http://schemas.openxmlformats.org/officeDocument/2006/relationships" xmlns:p="http://schemas.openxmlformats.org/presentationml/2006/main">
-  <p:cSld>
-    <p:spTree>
-      <p:nvGrpSpPr>
-        <p:cNvPr id="1" name=""/>
-        <p:cNvGrpSpPr/>
-        <p:nvPr/>
-      </p:nvGrpSpPr>
-      <p:grpSpPr>
-        <a:xfrm>
-          <a:off x="0" y="0"/>
-          <a:ext cx="0" cy="0"/>
-          <a:chOff x="0" y="0"/>
-          <a:chExt cx="0" cy="0"/>
-        </a:xfrm>
-      </p:grpSpPr>
-      <p:sp>
-        <p:nvSpPr>
-          <p:cNvPr id="12290" name="Title 1"/>
-          <p:cNvSpPr>
-            <a:spLocks noGrp="1"/>
-          </p:cNvSpPr>
-          <p:nvPr>
-            <p:ph type="title"/>
-          </p:nvPr>
-        </p:nvSpPr>
-        <p:spPr/>
-        <p:txBody>
-          <a:bodyPr/>
-          <a:lstStyle/>
-          <a:p>
-            <a:pPr eaLnBrk="1" hangingPunct="1"/>
-            <a:r>
-              <a:rPr lang="en-US"/>
-              <a:t>Bubble Sort (cont'd.)</a:t>
-            </a:r>
-          </a:p>
-        </p:txBody>
-      </p:sp>
-      <p:sp>
-        <p:nvSpPr>
-          <p:cNvPr id="12291" name="Footer Placeholder 2"/>
-          <p:cNvSpPr>
-            <a:spLocks noGrp="1"/>
-          </p:cNvSpPr>
-          <p:nvPr>
-            <p:ph type="ftr" sz="quarter" idx="11"/>
-          </p:nvPr>
-        </p:nvSpPr>
-        <p:spPr bwMode="auto">
-          <a:noFill/>
-          <a:ln>
-            <a:miter lim="800000"/>
-            <a:headEnd/>
-            <a:tailEnd/>
-          </a:ln>
-        </p:spPr>
-        <p:txBody>
-          <a:bodyPr/>
-          <a:lstStyle/>
-          <a:p>
-            <a:r>
-              <a:rPr lang="en-US"/>
-              <a:t>C++ Programming: From Problem Analysis to Program Design, Fifth Edition</a:t>
-            </a:r>
-          </a:p>
-        </p:txBody>
-      </p:sp>
-      <p:sp>
-        <p:nvSpPr>
-          <p:cNvPr id="13316" name="Slide Number Placeholder 3"/>
-          <p:cNvSpPr>
-            <a:spLocks noGrp="1"/>
-          </p:cNvSpPr>
-          <p:nvPr>
-            <p:ph type="sldNum" sz="quarter" idx="12"/>
-          </p:nvPr>
-        </p:nvSpPr>
-        <p:spPr/>
-        <p:txBody>
-          <a:bodyPr/>
-          <a:lstStyle/>
-          <a:p>
-            <a:pPr>
-              <a:defRPr/>
-            </a:pPr>
-            <a:fld id="{AD493E0C-4308-40F4-BB32-AADFFF10E254}" type="slidenum">
-              <a:rPr lang="en-US"/>
-              <a:pPr>
-                <a:defRPr/>
-              </a:pPr>
-              <a:t>38</a:t>
-            </a:fld>
-            <a:endParaRPr lang="en-US"/>
-          </a:p>
-        </p:txBody>
-      </p:sp>
-      <p:pic>
-        <p:nvPicPr>
-          <p:cNvPr id="12293" name="Picture 7"/>
-          <p:cNvPicPr>
-            <a:picLocks noChangeAspect="1" noChangeArrowheads="1"/>
-          </p:cNvPicPr>
-          <p:nvPr/>
-        </p:nvPicPr>
-        <p:blipFill>
-          <a:blip r:embed="rId2" cstate="print"/>
-          <a:srcRect/>
-          <a:stretch>
-            <a:fillRect/>
-          </a:stretch>
-        </p:blipFill>
-        <p:spPr bwMode="auto">
-          <a:xfrm>
-            <a:off x="914400" y="2286000"/>
-            <a:ext cx="6734175" cy="666750"/>
-          </a:xfrm>
-          <a:prstGeom prst="rect">
-            <a:avLst/>
-          </a:prstGeom>
-          <a:noFill/>
-          <a:ln w="9525">
-            <a:noFill/>
-            <a:miter lim="800000"/>
-            <a:headEnd/>
-            <a:tailEnd/>
-          </a:ln>
-        </p:spPr>
-      </p:pic>
-      <p:pic>
-        <p:nvPicPr>
-          <p:cNvPr id="12294" name="Picture 8"/>
-          <p:cNvPicPr>
-            <a:picLocks noChangeAspect="1" noChangeArrowheads="1"/>
-          </p:cNvPicPr>
-          <p:nvPr/>
-        </p:nvPicPr>
-        <p:blipFill>
-          <a:blip r:embed="rId3" cstate="print"/>
-          <a:srcRect/>
-          <a:stretch>
-            <a:fillRect/>
-          </a:stretch>
-        </p:blipFill>
-        <p:spPr bwMode="auto">
-          <a:xfrm>
-            <a:off x="1000125" y="3048000"/>
-            <a:ext cx="7458075" cy="2447925"/>
-          </a:xfrm>
-          <a:prstGeom prst="rect">
-            <a:avLst/>
-          </a:prstGeom>
-          <a:noFill/>
-          <a:ln w="9525">
-            <a:noFill/>
-            <a:miter lim="800000"/>
-            <a:headEnd/>
-            <a:tailEnd/>
-          </a:ln>
-        </p:spPr>
-      </p:pic>
-      <p:sp>
-        <p:nvSpPr>
-          <p:cNvPr id="8" name="Oval 7"/>
-          <p:cNvSpPr/>
-          <p:nvPr/>
-        </p:nvSpPr>
-        <p:spPr>
-          <a:xfrm>
-            <a:off x="5786446" y="3929066"/>
-            <a:ext cx="642942" cy="785818"/>
-          </a:xfrm>
-          <a:prstGeom prst="ellipse">
-            <a:avLst/>
-          </a:prstGeom>
-          <a:noFill/>
-          <a:ln>
-            <a:solidFill>
-              <a:srgbClr val="FF0000"/>
-            </a:solidFill>
-            <a:prstDash val="dash"/>
-          </a:ln>
-        </p:spPr>
-        <p:style>
-          <a:lnRef idx="2">
-            <a:schemeClr val="accent1">
-              <a:shade val="50000"/>
-            </a:schemeClr>
-          </a:lnRef>
-          <a:fillRef idx="1">
-            <a:schemeClr val="accent1"/>
-          </a:fillRef>
-          <a:effectRef idx="0">
-            <a:schemeClr val="accent1"/>
-          </a:effectRef>
-          <a:fontRef idx="minor">
-            <a:schemeClr val="lt1"/>
-          </a:fontRef>
-        </p:style>
-        <p:txBody>
-          <a:bodyPr rtlCol="0" anchor="ctr"/>
-          <a:lstStyle/>
-          <a:p>
-            <a:pPr algn="ctr"/>
-            <a:endParaRPr lang="en-CA"/>
-          </a:p>
-        </p:txBody>
-      </p:sp>
-      <p:sp>
-        <p:nvSpPr>
-          <p:cNvPr id="9" name="TextBox 8"/>
-          <p:cNvSpPr txBox="1"/>
-          <p:nvPr/>
-        </p:nvSpPr>
-        <p:spPr>
-          <a:xfrm>
-            <a:off x="5857884" y="5500702"/>
-            <a:ext cx="2143172" cy="646331"/>
-          </a:xfrm>
-          <a:prstGeom prst="rect">
-            <a:avLst/>
-          </a:prstGeom>
-          <a:noFill/>
-        </p:spPr>
-        <p:txBody>
-          <a:bodyPr wrap="square" rtlCol="0">
-            <a:spAutoFit/>
-          </a:bodyPr>
-          <a:lstStyle/>
-          <a:p>
-            <a:pPr algn="ctr"/>
-            <a:r>
-              <a:rPr lang="en-US" b="1" dirty="0">
-                <a:solidFill>
-                  <a:srgbClr val="FF0000"/>
-                </a:solidFill>
-              </a:rPr>
-              <a:t>unnecessary </a:t>
-            </a:r>
-          </a:p>
-          <a:p>
-            <a:pPr algn="ctr"/>
-            <a:r>
-              <a:rPr lang="en-US" b="1" dirty="0">
-                <a:solidFill>
-                  <a:srgbClr val="FF0000"/>
-                </a:solidFill>
-              </a:rPr>
-              <a:t>comparisons</a:t>
-            </a:r>
-            <a:endParaRPr lang="en-CA" b="1" dirty="0">
-              <a:solidFill>
-                <a:srgbClr val="FF0000"/>
-              </a:solidFill>
-            </a:endParaRPr>
-          </a:p>
-        </p:txBody>
-      </p:sp>
-      <p:sp>
-        <p:nvSpPr>
-          <p:cNvPr id="10" name="Freeform 9"/>
-          <p:cNvSpPr/>
-          <p:nvPr/>
-        </p:nvSpPr>
-        <p:spPr>
-          <a:xfrm>
-            <a:off x="6215074" y="4643446"/>
-            <a:ext cx="642942" cy="857256"/>
-          </a:xfrm>
-          <a:custGeom>
-            <a:avLst/>
-            <a:gdLst>
-              <a:gd name="connsiteX0" fmla="*/ 0 w 719528"/>
-              <a:gd name="connsiteY0" fmla="*/ 0 h 824459"/>
-              <a:gd name="connsiteX1" fmla="*/ 209863 w 719528"/>
-              <a:gd name="connsiteY1" fmla="*/ 524656 h 824459"/>
-              <a:gd name="connsiteX2" fmla="*/ 464696 w 719528"/>
-              <a:gd name="connsiteY2" fmla="*/ 374754 h 824459"/>
-              <a:gd name="connsiteX3" fmla="*/ 719528 w 719528"/>
-              <a:gd name="connsiteY3" fmla="*/ 824459 h 824459"/>
-            </a:gdLst>
-            <a:ahLst/>
-            <a:cxnLst>
-              <a:cxn ang="0">
-                <a:pos x="connsiteX0" y="connsiteY0"/>
-              </a:cxn>
-              <a:cxn ang="0">
-                <a:pos x="connsiteX1" y="connsiteY1"/>
-              </a:cxn>
-              <a:cxn ang="0">
-                <a:pos x="connsiteX2" y="connsiteY2"/>
-              </a:cxn>
-              <a:cxn ang="0">
-                <a:pos x="connsiteX3" y="connsiteY3"/>
-              </a:cxn>
-            </a:cxnLst>
-            <a:rect l="l" t="t" r="r" b="b"/>
-            <a:pathLst>
-              <a:path w="719528" h="824459">
-                <a:moveTo>
-                  <a:pt x="0" y="0"/>
-                </a:moveTo>
-                <a:cubicBezTo>
-                  <a:pt x="66207" y="231098"/>
-                  <a:pt x="132414" y="462197"/>
-                  <a:pt x="209863" y="524656"/>
-                </a:cubicBezTo>
-                <a:cubicBezTo>
-                  <a:pt x="287312" y="587115"/>
-                  <a:pt x="379752" y="324787"/>
-                  <a:pt x="464696" y="374754"/>
-                </a:cubicBezTo>
-                <a:cubicBezTo>
-                  <a:pt x="549640" y="424721"/>
-                  <a:pt x="634584" y="624590"/>
-                  <a:pt x="719528" y="824459"/>
-                </a:cubicBezTo>
-              </a:path>
-            </a:pathLst>
-          </a:custGeom>
-          <a:ln w="19050">
-            <a:solidFill>
-              <a:srgbClr val="FF0000"/>
-            </a:solidFill>
-            <a:headEnd type="none" w="med" len="med"/>
-            <a:tailEnd type="arrow" w="med" len="med"/>
-          </a:ln>
-        </p:spPr>
-        <p:style>
-          <a:lnRef idx="1">
-            <a:schemeClr val="accent1"/>
-          </a:lnRef>
-          <a:fillRef idx="0">
-            <a:schemeClr val="accent1"/>
-          </a:fillRef>
-          <a:effectRef idx="0">
-            <a:schemeClr val="accent1"/>
-          </a:effectRef>
-          <a:fontRef idx="minor">
-            <a:schemeClr val="tx1"/>
-          </a:fontRef>
-        </p:style>
-        <p:txBody>
-          <a:bodyPr rtlCol="0" anchor="ctr"/>
-          <a:lstStyle/>
-          <a:p>
-            <a:pPr algn="ctr"/>
-            <a:endParaRPr lang="en-CA"/>
-          </a:p>
-        </p:txBody>
-      </p:sp>
-    </p:spTree>
-  </p:cSld>
-  <p:clrMapOvr>
-    <a:masterClrMapping/>
-  </p:clrMapOvr>
-</p:sld>
-</file>
-
-<file path=ppt/slides/slide39.xml><?xml version="1.0" encoding="utf-8"?>
-<p:sld xmlns:a="http://schemas.openxmlformats.org/drawingml/2006/main" xmlns:r="http://schemas.openxmlformats.org/officeDocument/2006/relationships" xmlns:p="http://schemas.openxmlformats.org/presentationml/2006/main">
-  <p:cSld>
-    <p:spTree>
-      <p:nvGrpSpPr>
-        <p:cNvPr id="1" name=""/>
-        <p:cNvGrpSpPr/>
-        <p:nvPr/>
-      </p:nvGrpSpPr>
-      <p:grpSpPr>
-        <a:xfrm>
-          <a:off x="0" y="0"/>
-          <a:ext cx="0" cy="0"/>
-          <a:chOff x="0" y="0"/>
-          <a:chExt cx="0" cy="0"/>
-        </a:xfrm>
-      </p:grpSpPr>
-      <p:sp>
-        <p:nvSpPr>
-          <p:cNvPr id="13314" name="Title 1"/>
-          <p:cNvSpPr>
-            <a:spLocks noGrp="1"/>
-          </p:cNvSpPr>
-          <p:nvPr>
-            <p:ph type="title"/>
-          </p:nvPr>
-        </p:nvSpPr>
-        <p:spPr/>
-        <p:txBody>
-          <a:bodyPr/>
-          <a:lstStyle/>
-          <a:p>
-            <a:pPr eaLnBrk="1" hangingPunct="1"/>
-            <a:r>
-              <a:rPr lang="en-US" dirty="0"/>
-              <a:t>Bubble Sort (cont'd.)</a:t>
-            </a:r>
-          </a:p>
-        </p:txBody>
-      </p:sp>
-      <p:sp>
-        <p:nvSpPr>
-          <p:cNvPr id="13315" name="Footer Placeholder 2"/>
-          <p:cNvSpPr>
-            <a:spLocks noGrp="1"/>
-          </p:cNvSpPr>
-          <p:nvPr>
-            <p:ph type="ftr" sz="quarter" idx="11"/>
-          </p:nvPr>
-        </p:nvSpPr>
-        <p:spPr bwMode="auto">
-          <a:noFill/>
-          <a:ln>
-            <a:miter lim="800000"/>
-            <a:headEnd/>
-            <a:tailEnd/>
-          </a:ln>
-        </p:spPr>
-        <p:txBody>
-          <a:bodyPr/>
-          <a:lstStyle/>
-          <a:p>
-            <a:r>
-              <a:rPr lang="en-US"/>
-              <a:t>C++ Programming: From Problem Analysis to Program Design, Fifth Edition</a:t>
-            </a:r>
-          </a:p>
-        </p:txBody>
-      </p:sp>
-      <p:sp>
-        <p:nvSpPr>
-          <p:cNvPr id="14340" name="Slide Number Placeholder 3"/>
-          <p:cNvSpPr>
-            <a:spLocks noGrp="1"/>
-          </p:cNvSpPr>
-          <p:nvPr>
-            <p:ph type="sldNum" sz="quarter" idx="12"/>
-          </p:nvPr>
-        </p:nvSpPr>
-        <p:spPr/>
-        <p:txBody>
-          <a:bodyPr/>
-          <a:lstStyle/>
-          <a:p>
-            <a:pPr>
-              <a:defRPr/>
-            </a:pPr>
-            <a:fld id="{57D45743-AA9F-4D07-97AF-023E57DB809C}" type="slidenum">
-              <a:rPr lang="en-US"/>
-              <a:pPr>
-                <a:defRPr/>
-              </a:pPr>
-              <a:t>39</a:t>
-            </a:fld>
-            <a:endParaRPr lang="en-US"/>
-          </a:p>
-        </p:txBody>
-      </p:sp>
-      <p:pic>
-        <p:nvPicPr>
-          <p:cNvPr id="13317" name="Picture 6"/>
-          <p:cNvPicPr>
-            <a:picLocks noChangeAspect="1" noChangeArrowheads="1"/>
-          </p:cNvPicPr>
-          <p:nvPr/>
-        </p:nvPicPr>
-        <p:blipFill>
-          <a:blip r:embed="rId2" cstate="print"/>
-          <a:srcRect/>
-          <a:stretch>
-            <a:fillRect/>
-          </a:stretch>
-        </p:blipFill>
-        <p:spPr bwMode="auto">
-          <a:xfrm>
-            <a:off x="971550" y="2286000"/>
-            <a:ext cx="7410450" cy="3219450"/>
-          </a:xfrm>
-          <a:prstGeom prst="rect">
-            <a:avLst/>
-          </a:prstGeom>
-          <a:noFill/>
-          <a:ln w="9525">
-            <a:noFill/>
-            <a:miter lim="800000"/>
-            <a:headEnd/>
-            <a:tailEnd/>
-          </a:ln>
-        </p:spPr>
-      </p:pic>
-      <p:cxnSp>
-        <p:nvCxnSpPr>
-          <p:cNvPr id="7" name="Straight Connector 6"/>
-          <p:cNvCxnSpPr/>
-          <p:nvPr/>
-        </p:nvCxnSpPr>
-        <p:spPr>
-          <a:xfrm>
-            <a:off x="1142976" y="5786454"/>
-            <a:ext cx="7000924" cy="1588"/>
-          </a:xfrm>
-          <a:prstGeom prst="line">
-            <a:avLst/>
-          </a:prstGeom>
-          <a:ln>
-            <a:solidFill>
-              <a:srgbClr val="FF0000"/>
-            </a:solidFill>
-          </a:ln>
-        </p:spPr>
-        <p:style>
-          <a:lnRef idx="1">
-            <a:schemeClr val="accent1"/>
-          </a:lnRef>
-          <a:fillRef idx="0">
-            <a:schemeClr val="accent1"/>
-          </a:fillRef>
-          <a:effectRef idx="0">
-            <a:schemeClr val="accent1"/>
-          </a:effectRef>
-          <a:fontRef idx="minor">
-            <a:schemeClr val="tx1"/>
-          </a:fontRef>
-        </p:style>
-      </p:cxnSp>
-      <p:sp>
-        <p:nvSpPr>
-          <p:cNvPr id="9" name="TextBox 8"/>
-          <p:cNvSpPr txBox="1"/>
-          <p:nvPr/>
-        </p:nvSpPr>
-        <p:spPr>
-          <a:xfrm>
-            <a:off x="4572000" y="5572140"/>
-            <a:ext cx="3071834" cy="369332"/>
-          </a:xfrm>
-          <a:prstGeom prst="rect">
-            <a:avLst/>
-          </a:prstGeom>
-          <a:solidFill>
-            <a:srgbClr val="FFFF00"/>
-          </a:solidFill>
-        </p:spPr>
-        <p:txBody>
-          <a:bodyPr wrap="square" rtlCol="0">
-            <a:spAutoFit/>
-          </a:bodyPr>
-          <a:lstStyle/>
-          <a:p>
-            <a:pPr algn="ctr"/>
-            <a:r>
-              <a:rPr lang="en-US" b="1" dirty="0">
-                <a:solidFill>
-                  <a:srgbClr val="FF0000"/>
-                </a:solidFill>
-              </a:rPr>
-              <a:t>End of Solution</a:t>
-            </a:r>
-            <a:endParaRPr lang="en-CA" b="1" dirty="0">
-              <a:solidFill>
-                <a:srgbClr val="FF0000"/>
-              </a:solidFill>
-            </a:endParaRPr>
           </a:p>
         </p:txBody>
       </p:sp>
@@ -16795,6 +17384,580 @@
       </p:grpSpPr>
       <p:sp>
         <p:nvSpPr>
+          <p:cNvPr id="12290" name="Title 1"/>
+          <p:cNvSpPr>
+            <a:spLocks noGrp="1"/>
+          </p:cNvSpPr>
+          <p:nvPr>
+            <p:ph type="title"/>
+          </p:nvPr>
+        </p:nvSpPr>
+        <p:spPr/>
+        <p:txBody>
+          <a:bodyPr/>
+          <a:lstStyle/>
+          <a:p>
+            <a:pPr eaLnBrk="1" hangingPunct="1"/>
+            <a:r>
+              <a:rPr lang="en-US"/>
+              <a:t>Bubble Sort (cont'd.)</a:t>
+            </a:r>
+          </a:p>
+        </p:txBody>
+      </p:sp>
+      <p:sp>
+        <p:nvSpPr>
+          <p:cNvPr id="12291" name="Footer Placeholder 2"/>
+          <p:cNvSpPr>
+            <a:spLocks noGrp="1"/>
+          </p:cNvSpPr>
+          <p:nvPr>
+            <p:ph type="ftr" sz="quarter" idx="11"/>
+          </p:nvPr>
+        </p:nvSpPr>
+        <p:spPr bwMode="auto">
+          <a:noFill/>
+          <a:ln>
+            <a:miter lim="800000"/>
+            <a:headEnd/>
+            <a:tailEnd/>
+          </a:ln>
+        </p:spPr>
+        <p:txBody>
+          <a:bodyPr/>
+          <a:lstStyle/>
+          <a:p>
+            <a:r>
+              <a:rPr lang="en-US"/>
+              <a:t>C++ Programming: From Problem Analysis to Program Design, Fifth Edition</a:t>
+            </a:r>
+          </a:p>
+        </p:txBody>
+      </p:sp>
+      <p:sp>
+        <p:nvSpPr>
+          <p:cNvPr id="13316" name="Slide Number Placeholder 3"/>
+          <p:cNvSpPr>
+            <a:spLocks noGrp="1"/>
+          </p:cNvSpPr>
+          <p:nvPr>
+            <p:ph type="sldNum" sz="quarter" idx="12"/>
+          </p:nvPr>
+        </p:nvSpPr>
+        <p:spPr/>
+        <p:txBody>
+          <a:bodyPr/>
+          <a:lstStyle/>
+          <a:p>
+            <a:pPr>
+              <a:defRPr/>
+            </a:pPr>
+            <a:fld id="{AD493E0C-4308-40F4-BB32-AADFFF10E254}" type="slidenum">
+              <a:rPr lang="en-US"/>
+              <a:pPr>
+                <a:defRPr/>
+              </a:pPr>
+              <a:t>40</a:t>
+            </a:fld>
+            <a:endParaRPr lang="en-US"/>
+          </a:p>
+        </p:txBody>
+      </p:sp>
+      <p:pic>
+        <p:nvPicPr>
+          <p:cNvPr id="12293" name="Picture 7"/>
+          <p:cNvPicPr>
+            <a:picLocks noChangeAspect="1" noChangeArrowheads="1"/>
+          </p:cNvPicPr>
+          <p:nvPr/>
+        </p:nvPicPr>
+        <p:blipFill>
+          <a:blip r:embed="rId2" cstate="print"/>
+          <a:srcRect/>
+          <a:stretch>
+            <a:fillRect/>
+          </a:stretch>
+        </p:blipFill>
+        <p:spPr bwMode="auto">
+          <a:xfrm>
+            <a:off x="914400" y="2286000"/>
+            <a:ext cx="6734175" cy="666750"/>
+          </a:xfrm>
+          <a:prstGeom prst="rect">
+            <a:avLst/>
+          </a:prstGeom>
+          <a:noFill/>
+          <a:ln w="9525">
+            <a:noFill/>
+            <a:miter lim="800000"/>
+            <a:headEnd/>
+            <a:tailEnd/>
+          </a:ln>
+        </p:spPr>
+      </p:pic>
+      <p:pic>
+        <p:nvPicPr>
+          <p:cNvPr id="12294" name="Picture 8"/>
+          <p:cNvPicPr>
+            <a:picLocks noChangeAspect="1" noChangeArrowheads="1"/>
+          </p:cNvPicPr>
+          <p:nvPr/>
+        </p:nvPicPr>
+        <p:blipFill>
+          <a:blip r:embed="rId3" cstate="print"/>
+          <a:srcRect/>
+          <a:stretch>
+            <a:fillRect/>
+          </a:stretch>
+        </p:blipFill>
+        <p:spPr bwMode="auto">
+          <a:xfrm>
+            <a:off x="1000125" y="3048000"/>
+            <a:ext cx="7458075" cy="2447925"/>
+          </a:xfrm>
+          <a:prstGeom prst="rect">
+            <a:avLst/>
+          </a:prstGeom>
+          <a:noFill/>
+          <a:ln w="9525">
+            <a:noFill/>
+            <a:miter lim="800000"/>
+            <a:headEnd/>
+            <a:tailEnd/>
+          </a:ln>
+        </p:spPr>
+      </p:pic>
+      <p:sp>
+        <p:nvSpPr>
+          <p:cNvPr id="8" name="Oval 7"/>
+          <p:cNvSpPr/>
+          <p:nvPr/>
+        </p:nvSpPr>
+        <p:spPr>
+          <a:xfrm>
+            <a:off x="5786446" y="3929066"/>
+            <a:ext cx="642942" cy="785818"/>
+          </a:xfrm>
+          <a:prstGeom prst="ellipse">
+            <a:avLst/>
+          </a:prstGeom>
+          <a:noFill/>
+          <a:ln>
+            <a:solidFill>
+              <a:srgbClr val="FF0000"/>
+            </a:solidFill>
+            <a:prstDash val="dash"/>
+          </a:ln>
+        </p:spPr>
+        <p:style>
+          <a:lnRef idx="2">
+            <a:schemeClr val="accent1">
+              <a:shade val="50000"/>
+            </a:schemeClr>
+          </a:lnRef>
+          <a:fillRef idx="1">
+            <a:schemeClr val="accent1"/>
+          </a:fillRef>
+          <a:effectRef idx="0">
+            <a:schemeClr val="accent1"/>
+          </a:effectRef>
+          <a:fontRef idx="minor">
+            <a:schemeClr val="lt1"/>
+          </a:fontRef>
+        </p:style>
+        <p:txBody>
+          <a:bodyPr rtlCol="0" anchor="ctr"/>
+          <a:lstStyle/>
+          <a:p>
+            <a:pPr algn="ctr"/>
+            <a:endParaRPr lang="en-CA"/>
+          </a:p>
+        </p:txBody>
+      </p:sp>
+      <p:sp>
+        <p:nvSpPr>
+          <p:cNvPr id="9" name="TextBox 8"/>
+          <p:cNvSpPr txBox="1"/>
+          <p:nvPr/>
+        </p:nvSpPr>
+        <p:spPr>
+          <a:xfrm>
+            <a:off x="5857884" y="5500702"/>
+            <a:ext cx="2143172" cy="646331"/>
+          </a:xfrm>
+          <a:prstGeom prst="rect">
+            <a:avLst/>
+          </a:prstGeom>
+          <a:noFill/>
+        </p:spPr>
+        <p:txBody>
+          <a:bodyPr wrap="square" rtlCol="0">
+            <a:spAutoFit/>
+          </a:bodyPr>
+          <a:lstStyle/>
+          <a:p>
+            <a:pPr algn="ctr"/>
+            <a:r>
+              <a:rPr lang="en-US" b="1" dirty="0">
+                <a:solidFill>
+                  <a:srgbClr val="FF0000"/>
+                </a:solidFill>
+              </a:rPr>
+              <a:t>unnecessary </a:t>
+            </a:r>
+          </a:p>
+          <a:p>
+            <a:pPr algn="ctr"/>
+            <a:r>
+              <a:rPr lang="en-US" b="1" dirty="0">
+                <a:solidFill>
+                  <a:srgbClr val="FF0000"/>
+                </a:solidFill>
+              </a:rPr>
+              <a:t>comparisons</a:t>
+            </a:r>
+            <a:endParaRPr lang="en-CA" b="1" dirty="0">
+              <a:solidFill>
+                <a:srgbClr val="FF0000"/>
+              </a:solidFill>
+            </a:endParaRPr>
+          </a:p>
+        </p:txBody>
+      </p:sp>
+      <p:sp>
+        <p:nvSpPr>
+          <p:cNvPr id="10" name="Freeform 9"/>
+          <p:cNvSpPr/>
+          <p:nvPr/>
+        </p:nvSpPr>
+        <p:spPr>
+          <a:xfrm>
+            <a:off x="6215074" y="4643446"/>
+            <a:ext cx="642942" cy="857256"/>
+          </a:xfrm>
+          <a:custGeom>
+            <a:avLst/>
+            <a:gdLst>
+              <a:gd name="connsiteX0" fmla="*/ 0 w 719528"/>
+              <a:gd name="connsiteY0" fmla="*/ 0 h 824459"/>
+              <a:gd name="connsiteX1" fmla="*/ 209863 w 719528"/>
+              <a:gd name="connsiteY1" fmla="*/ 524656 h 824459"/>
+              <a:gd name="connsiteX2" fmla="*/ 464696 w 719528"/>
+              <a:gd name="connsiteY2" fmla="*/ 374754 h 824459"/>
+              <a:gd name="connsiteX3" fmla="*/ 719528 w 719528"/>
+              <a:gd name="connsiteY3" fmla="*/ 824459 h 824459"/>
+            </a:gdLst>
+            <a:ahLst/>
+            <a:cxnLst>
+              <a:cxn ang="0">
+                <a:pos x="connsiteX0" y="connsiteY0"/>
+              </a:cxn>
+              <a:cxn ang="0">
+                <a:pos x="connsiteX1" y="connsiteY1"/>
+              </a:cxn>
+              <a:cxn ang="0">
+                <a:pos x="connsiteX2" y="connsiteY2"/>
+              </a:cxn>
+              <a:cxn ang="0">
+                <a:pos x="connsiteX3" y="connsiteY3"/>
+              </a:cxn>
+            </a:cxnLst>
+            <a:rect l="l" t="t" r="r" b="b"/>
+            <a:pathLst>
+              <a:path w="719528" h="824459">
+                <a:moveTo>
+                  <a:pt x="0" y="0"/>
+                </a:moveTo>
+                <a:cubicBezTo>
+                  <a:pt x="66207" y="231098"/>
+                  <a:pt x="132414" y="462197"/>
+                  <a:pt x="209863" y="524656"/>
+                </a:cubicBezTo>
+                <a:cubicBezTo>
+                  <a:pt x="287312" y="587115"/>
+                  <a:pt x="379752" y="324787"/>
+                  <a:pt x="464696" y="374754"/>
+                </a:cubicBezTo>
+                <a:cubicBezTo>
+                  <a:pt x="549640" y="424721"/>
+                  <a:pt x="634584" y="624590"/>
+                  <a:pt x="719528" y="824459"/>
+                </a:cubicBezTo>
+              </a:path>
+            </a:pathLst>
+          </a:custGeom>
+          <a:ln w="19050">
+            <a:solidFill>
+              <a:srgbClr val="FF0000"/>
+            </a:solidFill>
+            <a:headEnd type="none" w="med" len="med"/>
+            <a:tailEnd type="arrow" w="med" len="med"/>
+          </a:ln>
+        </p:spPr>
+        <p:style>
+          <a:lnRef idx="1">
+            <a:schemeClr val="accent1"/>
+          </a:lnRef>
+          <a:fillRef idx="0">
+            <a:schemeClr val="accent1"/>
+          </a:fillRef>
+          <a:effectRef idx="0">
+            <a:schemeClr val="accent1"/>
+          </a:effectRef>
+          <a:fontRef idx="minor">
+            <a:schemeClr val="tx1"/>
+          </a:fontRef>
+        </p:style>
+        <p:txBody>
+          <a:bodyPr rtlCol="0" anchor="ctr"/>
+          <a:lstStyle/>
+          <a:p>
+            <a:pPr algn="ctr"/>
+            <a:endParaRPr lang="en-CA"/>
+          </a:p>
+        </p:txBody>
+      </p:sp>
+    </p:spTree>
+  </p:cSld>
+  <p:clrMapOvr>
+    <a:masterClrMapping/>
+  </p:clrMapOvr>
+</p:sld>
+</file>
+
+<file path=ppt/slides/slide41.xml><?xml version="1.0" encoding="utf-8"?>
+<p:sld xmlns:a="http://schemas.openxmlformats.org/drawingml/2006/main" xmlns:r="http://schemas.openxmlformats.org/officeDocument/2006/relationships" xmlns:p="http://schemas.openxmlformats.org/presentationml/2006/main">
+  <p:cSld>
+    <p:spTree>
+      <p:nvGrpSpPr>
+        <p:cNvPr id="1" name=""/>
+        <p:cNvGrpSpPr/>
+        <p:nvPr/>
+      </p:nvGrpSpPr>
+      <p:grpSpPr>
+        <a:xfrm>
+          <a:off x="0" y="0"/>
+          <a:ext cx="0" cy="0"/>
+          <a:chOff x="0" y="0"/>
+          <a:chExt cx="0" cy="0"/>
+        </a:xfrm>
+      </p:grpSpPr>
+      <p:sp>
+        <p:nvSpPr>
+          <p:cNvPr id="13314" name="Title 1"/>
+          <p:cNvSpPr>
+            <a:spLocks noGrp="1"/>
+          </p:cNvSpPr>
+          <p:nvPr>
+            <p:ph type="title"/>
+          </p:nvPr>
+        </p:nvSpPr>
+        <p:spPr/>
+        <p:txBody>
+          <a:bodyPr/>
+          <a:lstStyle/>
+          <a:p>
+            <a:pPr eaLnBrk="1" hangingPunct="1"/>
+            <a:r>
+              <a:rPr lang="en-US" dirty="0"/>
+              <a:t>Bubble Sort (cont'd.)</a:t>
+            </a:r>
+          </a:p>
+        </p:txBody>
+      </p:sp>
+      <p:sp>
+        <p:nvSpPr>
+          <p:cNvPr id="13315" name="Footer Placeholder 2"/>
+          <p:cNvSpPr>
+            <a:spLocks noGrp="1"/>
+          </p:cNvSpPr>
+          <p:nvPr>
+            <p:ph type="ftr" sz="quarter" idx="11"/>
+          </p:nvPr>
+        </p:nvSpPr>
+        <p:spPr bwMode="auto">
+          <a:noFill/>
+          <a:ln>
+            <a:miter lim="800000"/>
+            <a:headEnd/>
+            <a:tailEnd/>
+          </a:ln>
+        </p:spPr>
+        <p:txBody>
+          <a:bodyPr/>
+          <a:lstStyle/>
+          <a:p>
+            <a:r>
+              <a:rPr lang="en-US"/>
+              <a:t>C++ Programming: From Problem Analysis to Program Design, Fifth Edition</a:t>
+            </a:r>
+          </a:p>
+        </p:txBody>
+      </p:sp>
+      <p:sp>
+        <p:nvSpPr>
+          <p:cNvPr id="14340" name="Slide Number Placeholder 3"/>
+          <p:cNvSpPr>
+            <a:spLocks noGrp="1"/>
+          </p:cNvSpPr>
+          <p:nvPr>
+            <p:ph type="sldNum" sz="quarter" idx="12"/>
+          </p:nvPr>
+        </p:nvSpPr>
+        <p:spPr/>
+        <p:txBody>
+          <a:bodyPr/>
+          <a:lstStyle/>
+          <a:p>
+            <a:pPr>
+              <a:defRPr/>
+            </a:pPr>
+            <a:fld id="{57D45743-AA9F-4D07-97AF-023E57DB809C}" type="slidenum">
+              <a:rPr lang="en-US"/>
+              <a:pPr>
+                <a:defRPr/>
+              </a:pPr>
+              <a:t>41</a:t>
+            </a:fld>
+            <a:endParaRPr lang="en-US"/>
+          </a:p>
+        </p:txBody>
+      </p:sp>
+      <p:pic>
+        <p:nvPicPr>
+          <p:cNvPr id="13317" name="Picture 6"/>
+          <p:cNvPicPr>
+            <a:picLocks noChangeAspect="1" noChangeArrowheads="1"/>
+          </p:cNvPicPr>
+          <p:nvPr/>
+        </p:nvPicPr>
+        <p:blipFill>
+          <a:blip r:embed="rId2" cstate="print"/>
+          <a:srcRect/>
+          <a:stretch>
+            <a:fillRect/>
+          </a:stretch>
+        </p:blipFill>
+        <p:spPr bwMode="auto">
+          <a:xfrm>
+            <a:off x="971550" y="2286000"/>
+            <a:ext cx="7410450" cy="3219450"/>
+          </a:xfrm>
+          <a:prstGeom prst="rect">
+            <a:avLst/>
+          </a:prstGeom>
+          <a:noFill/>
+          <a:ln w="9525">
+            <a:noFill/>
+            <a:miter lim="800000"/>
+            <a:headEnd/>
+            <a:tailEnd/>
+          </a:ln>
+        </p:spPr>
+      </p:pic>
+      <p:cxnSp>
+        <p:nvCxnSpPr>
+          <p:cNvPr id="7" name="Straight Connector 6"/>
+          <p:cNvCxnSpPr/>
+          <p:nvPr/>
+        </p:nvCxnSpPr>
+        <p:spPr>
+          <a:xfrm>
+            <a:off x="1142976" y="5786454"/>
+            <a:ext cx="7000924" cy="1588"/>
+          </a:xfrm>
+          <a:prstGeom prst="line">
+            <a:avLst/>
+          </a:prstGeom>
+          <a:ln>
+            <a:solidFill>
+              <a:srgbClr val="FF0000"/>
+            </a:solidFill>
+          </a:ln>
+        </p:spPr>
+        <p:style>
+          <a:lnRef idx="1">
+            <a:schemeClr val="accent1"/>
+          </a:lnRef>
+          <a:fillRef idx="0">
+            <a:schemeClr val="accent1"/>
+          </a:fillRef>
+          <a:effectRef idx="0">
+            <a:schemeClr val="accent1"/>
+          </a:effectRef>
+          <a:fontRef idx="minor">
+            <a:schemeClr val="tx1"/>
+          </a:fontRef>
+        </p:style>
+      </p:cxnSp>
+      <p:sp>
+        <p:nvSpPr>
+          <p:cNvPr id="9" name="TextBox 8"/>
+          <p:cNvSpPr txBox="1"/>
+          <p:nvPr/>
+        </p:nvSpPr>
+        <p:spPr>
+          <a:xfrm>
+            <a:off x="4572000" y="5572140"/>
+            <a:ext cx="3071834" cy="369332"/>
+          </a:xfrm>
+          <a:prstGeom prst="rect">
+            <a:avLst/>
+          </a:prstGeom>
+          <a:solidFill>
+            <a:srgbClr val="FFFF00"/>
+          </a:solidFill>
+        </p:spPr>
+        <p:txBody>
+          <a:bodyPr wrap="square" rtlCol="0">
+            <a:spAutoFit/>
+          </a:bodyPr>
+          <a:lstStyle/>
+          <a:p>
+            <a:pPr algn="ctr"/>
+            <a:r>
+              <a:rPr lang="en-US" b="1" dirty="0">
+                <a:solidFill>
+                  <a:srgbClr val="FF0000"/>
+                </a:solidFill>
+              </a:rPr>
+              <a:t>End of Solution</a:t>
+            </a:r>
+            <a:endParaRPr lang="en-CA" b="1" dirty="0">
+              <a:solidFill>
+                <a:srgbClr val="FF0000"/>
+              </a:solidFill>
+            </a:endParaRPr>
+          </a:p>
+        </p:txBody>
+      </p:sp>
+    </p:spTree>
+  </p:cSld>
+  <p:clrMapOvr>
+    <a:masterClrMapping/>
+  </p:clrMapOvr>
+</p:sld>
+</file>
+
+<file path=ppt/slides/slide42.xml><?xml version="1.0" encoding="utf-8"?>
+<p:sld xmlns:a="http://schemas.openxmlformats.org/drawingml/2006/main" xmlns:r="http://schemas.openxmlformats.org/officeDocument/2006/relationships" xmlns:p="http://schemas.openxmlformats.org/presentationml/2006/main">
+  <p:cSld>
+    <p:spTree>
+      <p:nvGrpSpPr>
+        <p:cNvPr id="1" name=""/>
+        <p:cNvGrpSpPr/>
+        <p:nvPr/>
+      </p:nvGrpSpPr>
+      <p:grpSpPr>
+        <a:xfrm>
+          <a:off x="0" y="0"/>
+          <a:ext cx="0" cy="0"/>
+          <a:chOff x="0" y="0"/>
+          <a:chExt cx="0" cy="0"/>
+        </a:xfrm>
+      </p:grpSpPr>
+      <p:sp>
+        <p:nvSpPr>
           <p:cNvPr id="2" name="Title 1"/>
           <p:cNvSpPr>
             <a:spLocks noGrp="1"/>
@@ -16857,7 +18020,7 @@
 </p:sld>
 </file>
 
-<file path=ppt/slides/slide41.xml><?xml version="1.0" encoding="utf-8"?>
+<file path=ppt/slides/slide43.xml><?xml version="1.0" encoding="utf-8"?>
 <p:sld xmlns:a="http://schemas.openxmlformats.org/drawingml/2006/main" xmlns:r="http://schemas.openxmlformats.org/officeDocument/2006/relationships" xmlns:p="http://schemas.openxmlformats.org/presentationml/2006/main">
   <p:cSld>
     <p:spTree>
@@ -17117,7 +18280,7 @@
 </p:sld>
 </file>
 
-<file path=ppt/slides/slide42.xml><?xml version="1.0" encoding="utf-8"?>
+<file path=ppt/slides/slide44.xml><?xml version="1.0" encoding="utf-8"?>
 <p:sld xmlns:a="http://schemas.openxmlformats.org/drawingml/2006/main" xmlns:r="http://schemas.openxmlformats.org/officeDocument/2006/relationships" xmlns:p="http://schemas.openxmlformats.org/presentationml/2006/main">
   <p:cSld>
     <p:spTree>
@@ -17440,7 +18603,7 @@
 </p:sld>
 </file>
 
-<file path=ppt/slides/slide43.xml><?xml version="1.0" encoding="utf-8"?>
+<file path=ppt/slides/slide45.xml><?xml version="1.0" encoding="utf-8"?>
 <p:sld xmlns:a="http://schemas.openxmlformats.org/drawingml/2006/main" xmlns:r="http://schemas.openxmlformats.org/officeDocument/2006/relationships" xmlns:p="http://schemas.openxmlformats.org/presentationml/2006/main">
   <p:cSld>
     <p:spTree>
@@ -17459,10 +18622,10 @@
       </p:grpSpPr>
       <p:sp>
         <p:nvSpPr>
-          <p:cNvPr id="3" name="Title 2">
+          <p:cNvPr id="3" name="Title 6">
             <a:extLst>
               <a:ext uri="{FF2B5EF4-FFF2-40B4-BE49-F238E27FC236}">
-                <a16:creationId xmlns:a16="http://schemas.microsoft.com/office/drawing/2014/main" id="{9CD6AC94-A818-4805-A40C-CFA965974AB9}"/>
+                <a16:creationId xmlns:a16="http://schemas.microsoft.com/office/drawing/2014/main" id="{DE0421E3-3A9B-4CCC-84D7-A73D8F4D7089}"/>
               </a:ext>
             </a:extLst>
           </p:cNvPr>
@@ -17470,45 +18633,43 @@
             <a:spLocks noGrp="1"/>
           </p:cNvSpPr>
           <p:nvPr>
-            <p:ph type="ctrTitle"/>
+            <p:ph type="title"/>
           </p:nvPr>
         </p:nvSpPr>
         <p:spPr/>
         <p:txBody>
-          <a:bodyPr>
-            <a:normAutofit/>
+          <a:bodyPr rtlCol="0">
+            <a:normAutofit fontScale="90000"/>
           </a:bodyPr>
           <a:lstStyle/>
           <a:p>
+            <a:pPr>
+              <a:defRPr/>
+            </a:pPr>
+            <a:r>
+              <a:rPr lang="en-US" dirty="0"/>
+              <a:t>Bubble Sort (cont'd.)</a:t>
+            </a:r>
+            <a:br>
+              <a:rPr lang="en-US" dirty="0"/>
+            </a:br>
             <a:r>
               <a:rPr lang="en-US" dirty="0">
                 <a:solidFill>
                   <a:srgbClr val="FF0000"/>
                 </a:solidFill>
               </a:rPr>
-              <a:t>Example 10-1</a:t>
-            </a:r>
-            <a:br>
-              <a:rPr lang="en-US" dirty="0">
-                <a:solidFill>
-                  <a:srgbClr val="FF0000"/>
-                </a:solidFill>
-              </a:rPr>
-            </a:br>
-            <a:r>
-              <a:rPr lang="en-US" sz="3100" dirty="0"/>
-              <a:t>Full Program on Bubble Sort</a:t>
-            </a:r>
-            <a:endParaRPr lang="en-US" dirty="0"/>
-          </a:p>
-        </p:txBody>
-      </p:sp>
-      <p:sp>
-        <p:nvSpPr>
-          <p:cNvPr id="4" name="Subtitle 3">
+              <a:t>The Full Program</a:t>
+            </a:r>
+          </a:p>
+        </p:txBody>
+      </p:sp>
+      <p:sp>
+        <p:nvSpPr>
+          <p:cNvPr id="4" name="Content Placeholder 3">
             <a:extLst>
               <a:ext uri="{FF2B5EF4-FFF2-40B4-BE49-F238E27FC236}">
-                <a16:creationId xmlns:a16="http://schemas.microsoft.com/office/drawing/2014/main" id="{95DFBBA1-3C44-42B1-8DD0-F97F9925BFBE}"/>
+                <a16:creationId xmlns:a16="http://schemas.microsoft.com/office/drawing/2014/main" id="{51288CC0-D939-4E9F-B8B5-30E4ADA08572}"/>
               </a:ext>
             </a:extLst>
           </p:cNvPr>
@@ -17516,29 +18677,624 @@
             <a:spLocks noGrp="1"/>
           </p:cNvSpPr>
           <p:nvPr>
-            <p:ph type="subTitle" idx="1"/>
-          </p:nvPr>
-        </p:nvSpPr>
-        <p:spPr/>
-        <p:txBody>
-          <a:bodyPr/>
+            <p:ph idx="1"/>
+          </p:nvPr>
+        </p:nvSpPr>
+        <p:spPr>
+          <a:xfrm>
+            <a:off x="1000100" y="1398166"/>
+            <a:ext cx="7892380" cy="5459834"/>
+          </a:xfrm>
+        </p:spPr>
+        <p:txBody>
+          <a:bodyPr>
+            <a:normAutofit fontScale="25000" lnSpcReduction="20000"/>
+          </a:bodyPr>
           <a:lstStyle/>
           <a:p>
-            <a:r>
-              <a:rPr lang="en-US" dirty="0">
-                <a:solidFill>
-                  <a:srgbClr val="0070C0"/>
-                </a:solidFill>
-              </a:rPr>
-              <a:t>PP 568 in text</a:t>
-            </a:r>
+            <a:pPr marL="0" indent="0">
+              <a:buNone/>
+            </a:pPr>
+            <a:r>
+              <a:rPr lang="en-US" sz="3700" dirty="0">
+                <a:latin typeface="Consolas" pitchFamily="49" charset="0"/>
+                <a:cs typeface="Consolas" pitchFamily="49" charset="0"/>
+              </a:rPr>
+              <a:t>//Bubble sort</a:t>
+            </a:r>
+          </a:p>
+          <a:p>
+            <a:pPr marL="0" indent="0">
+              <a:buNone/>
+            </a:pPr>
+            <a:r>
+              <a:rPr lang="en-US" sz="3700" dirty="0">
+                <a:latin typeface="Consolas" pitchFamily="49" charset="0"/>
+                <a:cs typeface="Consolas" pitchFamily="49" charset="0"/>
+              </a:rPr>
+              <a:t>#include &lt;iostream&gt;</a:t>
+            </a:r>
+          </a:p>
+          <a:p>
+            <a:pPr marL="0" indent="0">
+              <a:buNone/>
+            </a:pPr>
+            <a:r>
+              <a:rPr lang="en-US" sz="3700" dirty="0">
+                <a:latin typeface="Consolas" pitchFamily="49" charset="0"/>
+                <a:cs typeface="Consolas" pitchFamily="49" charset="0"/>
+              </a:rPr>
+              <a:t>using namespace std;</a:t>
+            </a:r>
+          </a:p>
+          <a:p>
+            <a:pPr marL="0" indent="0">
+              <a:buNone/>
+            </a:pPr>
+            <a:endParaRPr lang="en-US" sz="3700" dirty="0">
+              <a:latin typeface="Consolas" pitchFamily="49" charset="0"/>
+              <a:cs typeface="Consolas" pitchFamily="49" charset="0"/>
+            </a:endParaRPr>
+          </a:p>
+          <a:p>
+            <a:pPr marL="0" indent="0">
+              <a:buNone/>
+            </a:pPr>
+            <a:r>
+              <a:rPr lang="en-US" sz="3700" dirty="0">
+                <a:latin typeface="Consolas" pitchFamily="49" charset="0"/>
+                <a:cs typeface="Consolas" pitchFamily="49" charset="0"/>
+              </a:rPr>
+              <a:t>void </a:t>
+            </a:r>
+            <a:r>
+              <a:rPr lang="en-US" sz="3700" dirty="0" err="1">
+                <a:latin typeface="Consolas" pitchFamily="49" charset="0"/>
+                <a:cs typeface="Consolas" pitchFamily="49" charset="0"/>
+              </a:rPr>
+              <a:t>bubbleSort</a:t>
+            </a:r>
+            <a:r>
+              <a:rPr lang="en-US" sz="3700" dirty="0">
+                <a:latin typeface="Consolas" pitchFamily="49" charset="0"/>
+                <a:cs typeface="Consolas" pitchFamily="49" charset="0"/>
+              </a:rPr>
+              <a:t>(int list[ ] , int length);</a:t>
+            </a:r>
+          </a:p>
+          <a:p>
+            <a:pPr marL="0" indent="0">
+              <a:buNone/>
+            </a:pPr>
+            <a:endParaRPr lang="en-US" sz="3700" dirty="0">
+              <a:latin typeface="Consolas" pitchFamily="49" charset="0"/>
+              <a:cs typeface="Consolas" pitchFamily="49" charset="0"/>
+            </a:endParaRPr>
+          </a:p>
+          <a:p>
+            <a:pPr marL="0" indent="0">
+              <a:buNone/>
+            </a:pPr>
+            <a:r>
+              <a:rPr lang="en-US" sz="3700" dirty="0">
+                <a:latin typeface="Consolas" pitchFamily="49" charset="0"/>
+                <a:cs typeface="Consolas" pitchFamily="49" charset="0"/>
+              </a:rPr>
+              <a:t>int main()</a:t>
+            </a:r>
+          </a:p>
+          <a:p>
+            <a:pPr marL="0" indent="0">
+              <a:buNone/>
+            </a:pPr>
+            <a:r>
+              <a:rPr lang="en-US" sz="3700" dirty="0">
+                <a:latin typeface="Consolas" pitchFamily="49" charset="0"/>
+                <a:cs typeface="Consolas" pitchFamily="49" charset="0"/>
+              </a:rPr>
+              <a:t>{</a:t>
+            </a:r>
+          </a:p>
+          <a:p>
+            <a:pPr marL="0" indent="0">
+              <a:buNone/>
+            </a:pPr>
+            <a:r>
+              <a:rPr lang="en-US" sz="3700" dirty="0">
+                <a:latin typeface="Consolas" pitchFamily="49" charset="0"/>
+                <a:cs typeface="Consolas" pitchFamily="49" charset="0"/>
+              </a:rPr>
+              <a:t>    int list[] = {2, 56, 34, 25, 73, 46, 89, 10, 5, 16}; </a:t>
+            </a:r>
+          </a:p>
+          <a:p>
+            <a:pPr marL="0" indent="0">
+              <a:buNone/>
+            </a:pPr>
+            <a:r>
+              <a:rPr lang="en-US" sz="3700" dirty="0">
+                <a:latin typeface="Consolas" pitchFamily="49" charset="0"/>
+                <a:cs typeface="Consolas" pitchFamily="49" charset="0"/>
+              </a:rPr>
+              <a:t>    int </a:t>
+            </a:r>
+            <a:r>
+              <a:rPr lang="en-US" sz="3700" dirty="0" err="1">
+                <a:latin typeface="Consolas" pitchFamily="49" charset="0"/>
+                <a:cs typeface="Consolas" pitchFamily="49" charset="0"/>
+              </a:rPr>
+              <a:t>i</a:t>
+            </a:r>
+            <a:r>
+              <a:rPr lang="en-US" sz="3700" dirty="0">
+                <a:latin typeface="Consolas" pitchFamily="49" charset="0"/>
+                <a:cs typeface="Consolas" pitchFamily="49" charset="0"/>
+              </a:rPr>
+              <a:t>;</a:t>
+            </a:r>
+          </a:p>
+          <a:p>
+            <a:pPr marL="0" indent="0">
+              <a:buNone/>
+            </a:pPr>
+            <a:r>
+              <a:rPr lang="en-US" sz="3700" dirty="0">
+                <a:latin typeface="Consolas" pitchFamily="49" charset="0"/>
+                <a:cs typeface="Consolas" pitchFamily="49" charset="0"/>
+              </a:rPr>
+              <a:t>    </a:t>
+            </a:r>
+          </a:p>
+          <a:p>
+            <a:pPr marL="0" indent="0">
+              <a:buNone/>
+            </a:pPr>
+            <a:r>
+              <a:rPr lang="en-US" sz="3700" dirty="0">
+                <a:latin typeface="Consolas" pitchFamily="49" charset="0"/>
+                <a:cs typeface="Consolas" pitchFamily="49" charset="0"/>
+              </a:rPr>
+              <a:t>    </a:t>
+            </a:r>
+            <a:r>
+              <a:rPr lang="en-US" sz="3700" dirty="0" err="1">
+                <a:latin typeface="Consolas" pitchFamily="49" charset="0"/>
+                <a:cs typeface="Consolas" pitchFamily="49" charset="0"/>
+              </a:rPr>
+              <a:t>bubbleSort</a:t>
+            </a:r>
+            <a:r>
+              <a:rPr lang="en-US" sz="3700" dirty="0">
+                <a:latin typeface="Consolas" pitchFamily="49" charset="0"/>
+                <a:cs typeface="Consolas" pitchFamily="49" charset="0"/>
+              </a:rPr>
+              <a:t>(list, 10);</a:t>
+            </a:r>
+          </a:p>
+          <a:p>
+            <a:pPr marL="0" indent="0">
+              <a:buNone/>
+            </a:pPr>
+            <a:r>
+              <a:rPr lang="en-US" sz="3700" dirty="0">
+                <a:latin typeface="Consolas" pitchFamily="49" charset="0"/>
+                <a:cs typeface="Consolas" pitchFamily="49" charset="0"/>
+              </a:rPr>
+              <a:t>    </a:t>
+            </a:r>
+            <a:r>
+              <a:rPr lang="en-US" sz="3700" dirty="0" err="1">
+                <a:latin typeface="Consolas" pitchFamily="49" charset="0"/>
+                <a:cs typeface="Consolas" pitchFamily="49" charset="0"/>
+              </a:rPr>
+              <a:t>cout</a:t>
+            </a:r>
+            <a:r>
+              <a:rPr lang="en-US" sz="3700" dirty="0">
+                <a:latin typeface="Consolas" pitchFamily="49" charset="0"/>
+                <a:cs typeface="Consolas" pitchFamily="49" charset="0"/>
+              </a:rPr>
+              <a:t> &lt;&lt; "After sorting, the list elements are:" &lt;&lt; </a:t>
+            </a:r>
+            <a:r>
+              <a:rPr lang="en-US" sz="3700" dirty="0" err="1">
+                <a:latin typeface="Consolas" pitchFamily="49" charset="0"/>
+                <a:cs typeface="Consolas" pitchFamily="49" charset="0"/>
+              </a:rPr>
+              <a:t>endl</a:t>
+            </a:r>
+            <a:r>
+              <a:rPr lang="en-US" sz="3700" dirty="0">
+                <a:latin typeface="Consolas" pitchFamily="49" charset="0"/>
+                <a:cs typeface="Consolas" pitchFamily="49" charset="0"/>
+              </a:rPr>
+              <a:t>;</a:t>
+            </a:r>
+          </a:p>
+          <a:p>
+            <a:pPr marL="0" indent="0">
+              <a:buNone/>
+            </a:pPr>
+            <a:r>
+              <a:rPr lang="en-US" sz="3700" dirty="0">
+                <a:latin typeface="Consolas" pitchFamily="49" charset="0"/>
+                <a:cs typeface="Consolas" pitchFamily="49" charset="0"/>
+              </a:rPr>
+              <a:t>    for(</a:t>
+            </a:r>
+            <a:r>
+              <a:rPr lang="en-US" sz="3700" dirty="0" err="1">
+                <a:latin typeface="Consolas" pitchFamily="49" charset="0"/>
+                <a:cs typeface="Consolas" pitchFamily="49" charset="0"/>
+              </a:rPr>
+              <a:t>i</a:t>
+            </a:r>
+            <a:r>
+              <a:rPr lang="en-US" sz="3700" dirty="0">
+                <a:latin typeface="Consolas" pitchFamily="49" charset="0"/>
+                <a:cs typeface="Consolas" pitchFamily="49" charset="0"/>
+              </a:rPr>
+              <a:t>=0;i&lt;10;i++) </a:t>
+            </a:r>
+          </a:p>
+          <a:p>
+            <a:pPr marL="0" indent="0">
+              <a:buNone/>
+            </a:pPr>
+            <a:r>
+              <a:rPr lang="en-US" sz="3700" dirty="0">
+                <a:latin typeface="Consolas" pitchFamily="49" charset="0"/>
+                <a:cs typeface="Consolas" pitchFamily="49" charset="0"/>
+              </a:rPr>
+              <a:t>    </a:t>
+            </a:r>
+            <a:r>
+              <a:rPr lang="en-US" sz="3700" dirty="0" err="1">
+                <a:latin typeface="Consolas" pitchFamily="49" charset="0"/>
+                <a:cs typeface="Consolas" pitchFamily="49" charset="0"/>
+              </a:rPr>
+              <a:t>cout</a:t>
+            </a:r>
+            <a:r>
+              <a:rPr lang="en-US" sz="3700" dirty="0">
+                <a:latin typeface="Consolas" pitchFamily="49" charset="0"/>
+                <a:cs typeface="Consolas" pitchFamily="49" charset="0"/>
+              </a:rPr>
+              <a:t> &lt;&lt; list[</a:t>
+            </a:r>
+            <a:r>
+              <a:rPr lang="en-US" sz="3700" dirty="0" err="1">
+                <a:latin typeface="Consolas" pitchFamily="49" charset="0"/>
+                <a:cs typeface="Consolas" pitchFamily="49" charset="0"/>
+              </a:rPr>
+              <a:t>i</a:t>
+            </a:r>
+            <a:r>
+              <a:rPr lang="en-US" sz="3700" dirty="0">
+                <a:latin typeface="Consolas" pitchFamily="49" charset="0"/>
+                <a:cs typeface="Consolas" pitchFamily="49" charset="0"/>
+              </a:rPr>
+              <a:t>] &lt;&lt; " ";</a:t>
+            </a:r>
+          </a:p>
+          <a:p>
+            <a:pPr marL="0" indent="0">
+              <a:buNone/>
+            </a:pPr>
+            <a:r>
+              <a:rPr lang="en-US" sz="3700" dirty="0">
+                <a:latin typeface="Consolas" pitchFamily="49" charset="0"/>
+                <a:cs typeface="Consolas" pitchFamily="49" charset="0"/>
+              </a:rPr>
+              <a:t>    </a:t>
+            </a:r>
+          </a:p>
+          <a:p>
+            <a:pPr marL="0" indent="0">
+              <a:buNone/>
+            </a:pPr>
+            <a:r>
+              <a:rPr lang="en-US" sz="3700" dirty="0">
+                <a:latin typeface="Consolas" pitchFamily="49" charset="0"/>
+                <a:cs typeface="Consolas" pitchFamily="49" charset="0"/>
+              </a:rPr>
+              <a:t>    </a:t>
+            </a:r>
+            <a:r>
+              <a:rPr lang="en-US" sz="3700" dirty="0" err="1">
+                <a:latin typeface="Consolas" pitchFamily="49" charset="0"/>
+                <a:cs typeface="Consolas" pitchFamily="49" charset="0"/>
+              </a:rPr>
+              <a:t>cout</a:t>
+            </a:r>
+            <a:r>
+              <a:rPr lang="en-US" sz="3700" dirty="0">
+                <a:latin typeface="Consolas" pitchFamily="49" charset="0"/>
+                <a:cs typeface="Consolas" pitchFamily="49" charset="0"/>
+              </a:rPr>
+              <a:t> &lt;&lt; </a:t>
+            </a:r>
+            <a:r>
+              <a:rPr lang="en-US" sz="3700" dirty="0" err="1">
+                <a:latin typeface="Consolas" pitchFamily="49" charset="0"/>
+                <a:cs typeface="Consolas" pitchFamily="49" charset="0"/>
+              </a:rPr>
+              <a:t>endl</a:t>
+            </a:r>
+            <a:r>
+              <a:rPr lang="en-US" sz="3700" dirty="0">
+                <a:latin typeface="Consolas" pitchFamily="49" charset="0"/>
+                <a:cs typeface="Consolas" pitchFamily="49" charset="0"/>
+              </a:rPr>
+              <a:t>; </a:t>
+            </a:r>
+          </a:p>
+          <a:p>
+            <a:pPr marL="0" indent="0">
+              <a:buNone/>
+            </a:pPr>
+            <a:r>
+              <a:rPr lang="en-US" sz="3700" dirty="0">
+                <a:latin typeface="Consolas" pitchFamily="49" charset="0"/>
+                <a:cs typeface="Consolas" pitchFamily="49" charset="0"/>
+              </a:rPr>
+              <a:t>    return 0;</a:t>
+            </a:r>
+          </a:p>
+          <a:p>
+            <a:pPr marL="0" indent="0">
+              <a:buNone/>
+            </a:pPr>
+            <a:r>
+              <a:rPr lang="en-US" sz="3700" dirty="0">
+                <a:latin typeface="Consolas" pitchFamily="49" charset="0"/>
+                <a:cs typeface="Consolas" pitchFamily="49" charset="0"/>
+              </a:rPr>
+              <a:t>}</a:t>
+            </a:r>
+          </a:p>
+          <a:p>
+            <a:pPr marL="0" indent="0">
+              <a:buNone/>
+            </a:pPr>
+            <a:endParaRPr lang="en-US" sz="3700" dirty="0">
+              <a:latin typeface="Consolas" pitchFamily="49" charset="0"/>
+              <a:cs typeface="Consolas" pitchFamily="49" charset="0"/>
+            </a:endParaRPr>
+          </a:p>
+          <a:p>
+            <a:pPr marL="0" indent="0">
+              <a:buNone/>
+            </a:pPr>
+            <a:r>
+              <a:rPr lang="en-US" sz="3700" dirty="0">
+                <a:latin typeface="Consolas" pitchFamily="49" charset="0"/>
+                <a:cs typeface="Consolas" pitchFamily="49" charset="0"/>
+              </a:rPr>
+              <a:t>void </a:t>
+            </a:r>
+            <a:r>
+              <a:rPr lang="en-US" sz="3700" dirty="0" err="1">
+                <a:latin typeface="Consolas" pitchFamily="49" charset="0"/>
+                <a:cs typeface="Consolas" pitchFamily="49" charset="0"/>
+              </a:rPr>
+              <a:t>bubbleSort</a:t>
+            </a:r>
+            <a:r>
+              <a:rPr lang="en-US" sz="3700" dirty="0">
+                <a:latin typeface="Consolas" pitchFamily="49" charset="0"/>
+                <a:cs typeface="Consolas" pitchFamily="49" charset="0"/>
+              </a:rPr>
+              <a:t>(int list[], int length) </a:t>
+            </a:r>
+          </a:p>
+          <a:p>
+            <a:pPr marL="0" indent="0">
+              <a:buNone/>
+            </a:pPr>
+            <a:r>
+              <a:rPr lang="en-US" sz="3700" dirty="0">
+                <a:latin typeface="Consolas" pitchFamily="49" charset="0"/>
+                <a:cs typeface="Consolas" pitchFamily="49" charset="0"/>
+              </a:rPr>
+              <a:t>{</a:t>
+            </a:r>
+          </a:p>
+          <a:p>
+            <a:pPr marL="0" indent="0">
+              <a:buNone/>
+            </a:pPr>
+            <a:r>
+              <a:rPr lang="en-US" sz="3700" dirty="0">
+                <a:latin typeface="Consolas" pitchFamily="49" charset="0"/>
+                <a:cs typeface="Consolas" pitchFamily="49" charset="0"/>
+              </a:rPr>
+              <a:t>    int temp;</a:t>
+            </a:r>
+          </a:p>
+          <a:p>
+            <a:pPr marL="0" indent="0">
+              <a:buNone/>
+            </a:pPr>
+            <a:r>
+              <a:rPr lang="en-US" sz="3700" dirty="0">
+                <a:latin typeface="Consolas" pitchFamily="49" charset="0"/>
+                <a:cs typeface="Consolas" pitchFamily="49" charset="0"/>
+              </a:rPr>
+              <a:t>    int iteration;</a:t>
+            </a:r>
+          </a:p>
+          <a:p>
+            <a:pPr marL="0" indent="0">
+              <a:buNone/>
+            </a:pPr>
+            <a:r>
+              <a:rPr lang="en-US" sz="3700" dirty="0">
+                <a:latin typeface="Consolas" pitchFamily="49" charset="0"/>
+                <a:cs typeface="Consolas" pitchFamily="49" charset="0"/>
+              </a:rPr>
+              <a:t>    int index;</a:t>
+            </a:r>
+          </a:p>
+          <a:p>
+            <a:pPr marL="0" indent="0">
+              <a:buNone/>
+            </a:pPr>
+            <a:r>
+              <a:rPr lang="en-US" sz="3700" dirty="0">
+                <a:latin typeface="Consolas" pitchFamily="49" charset="0"/>
+                <a:cs typeface="Consolas" pitchFamily="49" charset="0"/>
+              </a:rPr>
+              <a:t>    for (iteration = 1; iteration &lt; length; iteration++) </a:t>
+            </a:r>
+          </a:p>
+          <a:p>
+            <a:pPr marL="0" indent="0">
+              <a:buNone/>
+            </a:pPr>
+            <a:r>
+              <a:rPr lang="en-US" sz="3700" dirty="0">
+                <a:latin typeface="Consolas" pitchFamily="49" charset="0"/>
+                <a:cs typeface="Consolas" pitchFamily="49" charset="0"/>
+              </a:rPr>
+              <a:t>    {</a:t>
+            </a:r>
+          </a:p>
+          <a:p>
+            <a:pPr marL="0" indent="0">
+              <a:buNone/>
+            </a:pPr>
+            <a:r>
+              <a:rPr lang="en-US" sz="3700" dirty="0">
+                <a:latin typeface="Consolas" pitchFamily="49" charset="0"/>
+                <a:cs typeface="Consolas" pitchFamily="49" charset="0"/>
+              </a:rPr>
+              <a:t>        for (index = 0; index &lt; length - iteration; index++) </a:t>
+            </a:r>
+          </a:p>
+          <a:p>
+            <a:pPr marL="0" indent="0">
+              <a:buNone/>
+            </a:pPr>
+            <a:r>
+              <a:rPr lang="en-US" sz="3700" dirty="0">
+                <a:latin typeface="Consolas" pitchFamily="49" charset="0"/>
+                <a:cs typeface="Consolas" pitchFamily="49" charset="0"/>
+              </a:rPr>
+              <a:t>        if (list[index] &gt; list[index + 1])</a:t>
+            </a:r>
+          </a:p>
+          <a:p>
+            <a:pPr marL="0" indent="0">
+              <a:buNone/>
+            </a:pPr>
+            <a:r>
+              <a:rPr lang="en-US" sz="3700" dirty="0">
+                <a:latin typeface="Consolas" pitchFamily="49" charset="0"/>
+                <a:cs typeface="Consolas" pitchFamily="49" charset="0"/>
+              </a:rPr>
+              <a:t>        {</a:t>
+            </a:r>
+          </a:p>
+          <a:p>
+            <a:pPr marL="0" indent="0">
+              <a:buNone/>
+            </a:pPr>
+            <a:r>
+              <a:rPr lang="en-US" sz="3700" dirty="0">
+                <a:latin typeface="Consolas" pitchFamily="49" charset="0"/>
+                <a:cs typeface="Consolas" pitchFamily="49" charset="0"/>
+              </a:rPr>
+              <a:t>            temp = list[index]; </a:t>
+            </a:r>
+          </a:p>
+          <a:p>
+            <a:pPr marL="0" indent="0">
+              <a:buNone/>
+            </a:pPr>
+            <a:r>
+              <a:rPr lang="en-US" sz="3700" dirty="0">
+                <a:latin typeface="Consolas" pitchFamily="49" charset="0"/>
+                <a:cs typeface="Consolas" pitchFamily="49" charset="0"/>
+              </a:rPr>
+              <a:t>            list[index] = list[index + 1]; </a:t>
+            </a:r>
+          </a:p>
+          <a:p>
+            <a:pPr marL="0" indent="0">
+              <a:buNone/>
+            </a:pPr>
+            <a:r>
+              <a:rPr lang="en-US" sz="3700" dirty="0">
+                <a:latin typeface="Consolas" pitchFamily="49" charset="0"/>
+                <a:cs typeface="Consolas" pitchFamily="49" charset="0"/>
+              </a:rPr>
+              <a:t>            list[index + 1] = temp;</a:t>
+            </a:r>
+          </a:p>
+          <a:p>
+            <a:pPr marL="0" indent="0">
+              <a:buNone/>
+            </a:pPr>
+            <a:r>
+              <a:rPr lang="en-US" sz="3700" dirty="0">
+                <a:latin typeface="Consolas" pitchFamily="49" charset="0"/>
+                <a:cs typeface="Consolas" pitchFamily="49" charset="0"/>
+              </a:rPr>
+              <a:t>        } </a:t>
+            </a:r>
+          </a:p>
+          <a:p>
+            <a:pPr marL="0" indent="0">
+              <a:buNone/>
+            </a:pPr>
+            <a:r>
+              <a:rPr lang="en-US" sz="3700" dirty="0">
+                <a:latin typeface="Consolas" pitchFamily="49" charset="0"/>
+                <a:cs typeface="Consolas" pitchFamily="49" charset="0"/>
+              </a:rPr>
+              <a:t>        </a:t>
+            </a:r>
+          </a:p>
+          <a:p>
+            <a:pPr marL="0" indent="0">
+              <a:buNone/>
+            </a:pPr>
+            <a:r>
+              <a:rPr lang="en-US" sz="3700" dirty="0">
+                <a:latin typeface="Consolas" pitchFamily="49" charset="0"/>
+                <a:cs typeface="Consolas" pitchFamily="49" charset="0"/>
+              </a:rPr>
+              <a:t>    }</a:t>
+            </a:r>
+          </a:p>
+          <a:p>
+            <a:pPr marL="0" indent="0">
+              <a:buNone/>
+            </a:pPr>
+            <a:r>
+              <a:rPr lang="en-US" sz="3700" dirty="0">
+                <a:latin typeface="Consolas" pitchFamily="49" charset="0"/>
+                <a:cs typeface="Consolas" pitchFamily="49" charset="0"/>
+              </a:rPr>
+              <a:t>}</a:t>
+            </a:r>
+          </a:p>
+          <a:p>
+            <a:pPr marL="0" indent="0">
+              <a:buNone/>
+            </a:pPr>
+            <a:endParaRPr lang="en-US" sz="3700" dirty="0">
+              <a:latin typeface="Consolas" pitchFamily="49" charset="0"/>
+              <a:cs typeface="Consolas" pitchFamily="49" charset="0"/>
+            </a:endParaRPr>
           </a:p>
         </p:txBody>
       </p:sp>
     </p:spTree>
     <p:extLst>
       <p:ext uri="{BB962C8B-B14F-4D97-AF65-F5344CB8AC3E}">
-        <p14:creationId xmlns:p14="http://schemas.microsoft.com/office/powerpoint/2010/main" val="3682587583"/>
+        <p14:creationId xmlns:p14="http://schemas.microsoft.com/office/powerpoint/2010/main" val="1846352917"/>
       </p:ext>
     </p:extLst>
   </p:cSld>
